--- a/murach_js_3e/slides/Chapter 09 slides.pptx
+++ b/murach_js_3e/slides/Chapter 09 slides.pptx
@@ -376,7 +376,7 @@
               <a:pPr>
                 <a:defRPr/>
               </a:pPr>
-              <a:t>2/16/2017</a:t>
+              <a:t>7/29/2020</a:t>
             </a:fld>
             <a:endParaRPr lang="en-US"/>
           </a:p>
@@ -738,35 +738,35 @@
           <a:p>
             <a:pPr lvl="0"/>
             <a:r>
-              <a:rPr lang="en-US" noProof="0" smtClean="0"/>
+              <a:rPr lang="en-US" noProof="0"/>
               <a:t>Click to edit Master text styles</a:t>
             </a:r>
           </a:p>
           <a:p>
             <a:pPr lvl="1"/>
             <a:r>
-              <a:rPr lang="en-US" noProof="0" smtClean="0"/>
+              <a:rPr lang="en-US" noProof="0"/>
               <a:t>Second level</a:t>
             </a:r>
           </a:p>
           <a:p>
             <a:pPr lvl="2"/>
             <a:r>
-              <a:rPr lang="en-US" noProof="0" smtClean="0"/>
+              <a:rPr lang="en-US" noProof="0"/>
               <a:t>Third level</a:t>
             </a:r>
           </a:p>
           <a:p>
             <a:pPr lvl="3"/>
             <a:r>
-              <a:rPr lang="en-US" noProof="0" smtClean="0"/>
+              <a:rPr lang="en-US" noProof="0"/>
               <a:t>Fourth level</a:t>
             </a:r>
           </a:p>
           <a:p>
             <a:pPr lvl="4"/>
             <a:r>
-              <a:rPr lang="en-US" noProof="0" smtClean="0"/>
+              <a:rPr lang="en-US" noProof="0"/>
               <a:t>Fifth level</a:t>
             </a:r>
           </a:p>
@@ -1056,10 +1056,9 @@
           </a:lstStyle>
           <a:p>
             <a:r>
-              <a:rPr lang="en-US" dirty="0" smtClean="0"/>
+              <a:rPr lang="en-US" dirty="0"/>
               <a:t>Chapter number</a:t>
             </a:r>
-            <a:endParaRPr lang="en-US" dirty="0"/>
           </a:p>
         </p:txBody>
       </p:sp>
@@ -1086,10 +1085,9 @@
               <a:defRPr/>
             </a:pPr>
             <a:r>
-              <a:rPr lang="en-US" dirty="0" smtClean="0"/>
+              <a:rPr lang="en-US" dirty="0"/>
               <a:t>Murach's JavaScript and jQuery (3rd Ed.)</a:t>
             </a:r>
-            <a:endParaRPr lang="en-US" dirty="0"/>
           </a:p>
         </p:txBody>
       </p:sp>
@@ -1112,10 +1110,9 @@
               <a:defRPr/>
             </a:pPr>
             <a:r>
-              <a:rPr lang="en-US" smtClean="0"/>
+              <a:rPr lang="en-US"/>
               <a:t>© 2017, Mike Murach &amp; Associates, Inc.</a:t>
             </a:r>
-            <a:endParaRPr lang="en-US"/>
           </a:p>
         </p:txBody>
       </p:sp>
@@ -1137,7 +1134,7 @@
             <a:pPr algn="l">
               <a:defRPr/>
             </a:pPr>
-            <a:endParaRPr lang="en-US" sz="1400" dirty="0" smtClean="0">
+            <a:endParaRPr lang="en-US" sz="1400" dirty="0">
               <a:latin typeface="Times New Roman"/>
             </a:endParaRPr>
           </a:p>
@@ -1146,7 +1143,7 @@
               <a:defRPr/>
             </a:pPr>
             <a:r>
-              <a:rPr lang="en-US" dirty="0" smtClean="0">
+              <a:rPr lang="en-US" dirty="0">
                 <a:solidFill>
                   <a:schemeClr val="bg1"/>
                 </a:solidFill>
@@ -1260,10 +1257,10 @@
           <a:p>
             <a:pPr lvl="0"/>
             <a:r>
-              <a:rPr lang="en-US" smtClean="0"/>
+              <a:rPr lang="en-US"/>
               <a:t>Click to edit Master title style</a:t>
             </a:r>
-            <a:endParaRPr lang="en-US" dirty="0" smtClean="0"/>
+            <a:endParaRPr lang="en-US" dirty="0"/>
           </a:p>
         </p:txBody>
       </p:sp>
@@ -1292,7 +1289,7 @@
               <a:defRPr/>
             </a:pPr>
             <a:r>
-              <a:rPr lang="en-US" smtClean="0"/>
+              <a:rPr lang="en-US"/>
               <a:t>Murach's JavaScript and jQuery (3rd Ed.)</a:t>
             </a:r>
             <a:endParaRPr lang="en-US" dirty="0"/>
@@ -1324,10 +1321,9 @@
               <a:defRPr/>
             </a:pPr>
             <a:r>
-              <a:rPr lang="en-US" smtClean="0"/>
+              <a:rPr lang="en-US"/>
               <a:t>© 2017, Mike Murach &amp; Associates, Inc.</a:t>
             </a:r>
-            <a:endParaRPr lang="en-US"/>
           </a:p>
         </p:txBody>
       </p:sp>
@@ -1357,14 +1353,14 @@
             <a:pPr>
               <a:defRPr/>
             </a:pPr>
-            <a:endParaRPr lang="en-US" dirty="0" smtClean="0"/>
+            <a:endParaRPr lang="en-US" dirty="0"/>
           </a:p>
           <a:p>
             <a:pPr algn="r">
               <a:defRPr/>
             </a:pPr>
             <a:r>
-              <a:rPr lang="en-US" sz="900" dirty="0" smtClean="0">
+              <a:rPr lang="en-US" sz="900" dirty="0">
                 <a:solidFill>
                   <a:schemeClr val="bg1"/>
                 </a:solidFill>
@@ -1454,67 +1450,65 @@
           </a:lstStyle>
           <a:p>
             <a:r>
-              <a:rPr lang="en-US" dirty="0" smtClean="0"/>
+              <a:rPr lang="en-US" dirty="0"/>
               <a:t>Chapter number</a:t>
             </a:r>
+          </a:p>
+        </p:txBody>
+      </p:sp>
+      <p:sp>
+        <p:nvSpPr>
+          <p:cNvPr id="3" name="Date Placeholder 2"/>
+          <p:cNvSpPr>
+            <a:spLocks noGrp="1"/>
+          </p:cNvSpPr>
+          <p:nvPr>
+            <p:ph type="dt" sz="half" idx="10"/>
+          </p:nvPr>
+        </p:nvSpPr>
+        <p:spPr/>
+        <p:txBody>
+          <a:bodyPr/>
+          <a:lstStyle/>
+          <a:p>
+            <a:pPr>
+              <a:defRPr/>
+            </a:pPr>
+            <a:r>
+              <a:rPr lang="en-US"/>
+              <a:t>Murach's JavaScript and jQuery (3rd Ed.)</a:t>
+            </a:r>
+          </a:p>
+        </p:txBody>
+      </p:sp>
+      <p:sp>
+        <p:nvSpPr>
+          <p:cNvPr id="4" name="Footer Placeholder 3"/>
+          <p:cNvSpPr>
+            <a:spLocks noGrp="1"/>
+          </p:cNvSpPr>
+          <p:nvPr>
+            <p:ph type="ftr" sz="quarter" idx="11"/>
+          </p:nvPr>
+        </p:nvSpPr>
+        <p:spPr/>
+        <p:txBody>
+          <a:bodyPr/>
+          <a:lstStyle/>
+          <a:p>
+            <a:pPr>
+              <a:defRPr/>
+            </a:pPr>
+            <a:r>
+              <a:rPr lang="en-US"/>
+              <a:t>© 2017, Mike Murach &amp; Associates, Inc.</a:t>
+            </a:r>
             <a:endParaRPr lang="en-US" dirty="0"/>
           </a:p>
         </p:txBody>
       </p:sp>
       <p:sp>
         <p:nvSpPr>
-          <p:cNvPr id="3" name="Date Placeholder 2"/>
-          <p:cNvSpPr>
-            <a:spLocks noGrp="1"/>
-          </p:cNvSpPr>
-          <p:nvPr>
-            <p:ph type="dt" sz="half" idx="10"/>
-          </p:nvPr>
-        </p:nvSpPr>
-        <p:spPr/>
-        <p:txBody>
-          <a:bodyPr/>
-          <a:lstStyle/>
-          <a:p>
-            <a:pPr>
-              <a:defRPr/>
-            </a:pPr>
-            <a:r>
-              <a:rPr lang="en-US" smtClean="0"/>
-              <a:t>Murach's JavaScript and jQuery (3rd Ed.)</a:t>
-            </a:r>
-            <a:endParaRPr lang="en-US"/>
-          </a:p>
-        </p:txBody>
-      </p:sp>
-      <p:sp>
-        <p:nvSpPr>
-          <p:cNvPr id="4" name="Footer Placeholder 3"/>
-          <p:cNvSpPr>
-            <a:spLocks noGrp="1"/>
-          </p:cNvSpPr>
-          <p:nvPr>
-            <p:ph type="ftr" sz="quarter" idx="11"/>
-          </p:nvPr>
-        </p:nvSpPr>
-        <p:spPr/>
-        <p:txBody>
-          <a:bodyPr/>
-          <a:lstStyle/>
-          <a:p>
-            <a:pPr>
-              <a:defRPr/>
-            </a:pPr>
-            <a:r>
-              <a:rPr lang="en-US" smtClean="0"/>
-              <a:t>© 2017, Mike Murach &amp; Associates, Inc.</a:t>
-            </a:r>
-            <a:endParaRPr lang="en-US" dirty="0"/>
-          </a:p>
-        </p:txBody>
-      </p:sp>
-      <p:sp>
-        <p:nvSpPr>
           <p:cNvPr id="5" name="Slide Number Placeholder 4"/>
           <p:cNvSpPr>
             <a:spLocks noGrp="1"/>
@@ -1531,7 +1525,7 @@
             <a:pPr algn="l">
               <a:defRPr/>
             </a:pPr>
-            <a:endParaRPr lang="en-US" sz="1400" smtClean="0">
+            <a:endParaRPr lang="en-US" sz="1400">
               <a:latin typeface="Times New Roman"/>
             </a:endParaRPr>
           </a:p>
@@ -1540,7 +1534,7 @@
               <a:defRPr/>
             </a:pPr>
             <a:r>
-              <a:rPr lang="en-US" smtClean="0"/>
+              <a:rPr lang="en-US"/>
               <a:t>Slide </a:t>
             </a:r>
             <a:fld id="{BF5C1183-B085-4070-A402-C03A3F977D3D}" type="slidenum">
@@ -1642,7 +1636,7 @@
           <a:p>
             <a:pPr lvl="0"/>
             <a:r>
-              <a:rPr lang="en-US" dirty="0" smtClean="0"/>
+              <a:rPr lang="en-US" dirty="0"/>
               <a:t>Click to edit Master title style</a:t>
             </a:r>
           </a:p>
@@ -1673,10 +1667,9 @@
               <a:defRPr/>
             </a:pPr>
             <a:r>
-              <a:rPr lang="en-US" smtClean="0"/>
+              <a:rPr lang="en-US"/>
               <a:t>Murach's JavaScript and jQuery (3rd Ed.)</a:t>
             </a:r>
-            <a:endParaRPr lang="en-US"/>
           </a:p>
         </p:txBody>
       </p:sp>
@@ -1705,10 +1698,9 @@
               <a:defRPr/>
             </a:pPr>
             <a:r>
-              <a:rPr lang="en-US" smtClean="0"/>
+              <a:rPr lang="en-US"/>
               <a:t>© 2017, Mike Murach &amp; Associates, Inc.</a:t>
             </a:r>
-            <a:endParaRPr lang="en-US"/>
           </a:p>
         </p:txBody>
       </p:sp>
@@ -1853,7 +1845,7 @@
               <a:buNone/>
               <a:tabLst/>
             </a:pPr>
-            <a:endParaRPr kumimoji="0" lang="en-US" sz="2400" b="0" i="0" u="none" strike="noStrike" cap="none" normalizeH="0" baseline="0" smtClean="0">
+            <a:endParaRPr kumimoji="0" lang="en-US" sz="2400" b="0" i="0" u="none" strike="noStrike" cap="none" normalizeH="0" baseline="0">
               <a:ln>
                 <a:noFill/>
               </a:ln>
@@ -1918,7 +1910,7 @@
           <a:p>
             <a:pPr lvl="0"/>
             <a:r>
-              <a:rPr lang="en-US" smtClean="0"/>
+              <a:rPr lang="en-US"/>
               <a:t>Click to edit Master title style</a:t>
             </a:r>
           </a:p>
@@ -1976,35 +1968,35 @@
           <a:p>
             <a:pPr lvl="0"/>
             <a:r>
-              <a:rPr lang="en-US" smtClean="0"/>
+              <a:rPr lang="en-US"/>
               <a:t>Click to edit Master text styles</a:t>
             </a:r>
           </a:p>
           <a:p>
             <a:pPr lvl="1"/>
             <a:r>
-              <a:rPr lang="en-US" smtClean="0"/>
+              <a:rPr lang="en-US"/>
               <a:t>Second level</a:t>
             </a:r>
           </a:p>
           <a:p>
             <a:pPr lvl="2"/>
             <a:r>
-              <a:rPr lang="en-US" smtClean="0"/>
+              <a:rPr lang="en-US"/>
               <a:t>Third level</a:t>
             </a:r>
           </a:p>
           <a:p>
             <a:pPr lvl="3"/>
             <a:r>
-              <a:rPr lang="en-US" smtClean="0"/>
+              <a:rPr lang="en-US"/>
               <a:t>Fourth level</a:t>
             </a:r>
           </a:p>
           <a:p>
             <a:pPr lvl="4"/>
             <a:r>
-              <a:rPr lang="en-US" smtClean="0"/>
+              <a:rPr lang="en-US"/>
               <a:t>Fifth level</a:t>
             </a:r>
           </a:p>
@@ -2057,7 +2049,7 @@
               <a:defRPr/>
             </a:pPr>
             <a:r>
-              <a:rPr lang="en-US" smtClean="0"/>
+              <a:rPr lang="en-US"/>
               <a:t>Murach's JavaScript and jQuery (3rd Ed.)</a:t>
             </a:r>
             <a:endParaRPr lang="en-US" dirty="0"/>
@@ -2110,10 +2102,9 @@
               <a:defRPr/>
             </a:pPr>
             <a:r>
-              <a:rPr lang="en-US" smtClean="0"/>
+              <a:rPr lang="en-US"/>
               <a:t>© 2017, Mike Murach &amp; Associates, Inc.</a:t>
             </a:r>
-            <a:endParaRPr lang="en-US"/>
           </a:p>
         </p:txBody>
       </p:sp>
@@ -2159,7 +2150,7 @@
             <a:pPr algn="l">
               <a:defRPr/>
             </a:pPr>
-            <a:endParaRPr lang="en-US" sz="1400" dirty="0" smtClean="0">
+            <a:endParaRPr lang="en-US" sz="1400" dirty="0">
               <a:latin typeface="Times New Roman"/>
             </a:endParaRPr>
           </a:p>
@@ -2168,7 +2159,7 @@
               <a:defRPr/>
             </a:pPr>
             <a:r>
-              <a:rPr lang="en-US" dirty="0" smtClean="0">
+              <a:rPr lang="en-US" dirty="0">
                 <a:solidFill>
                   <a:schemeClr val="bg1"/>
                 </a:solidFill>
@@ -2642,12 +2633,12 @@
           <a:graphicData uri="http://schemas.openxmlformats.org/presentationml/2006/ole">
             <mc:AlternateContent xmlns:mc="http://schemas.openxmlformats.org/markup-compatibility/2006">
               <mc:Choice xmlns:v="urn:schemas-microsoft-com:vml" Requires="v">
-                <p:oleObj spid="_x0000_s1036" name="Document" r:id="rId4" imgW="7313400" imgH="2308371" progId="Word.Document.12">
+                <p:oleObj spid="_x0000_s1037" name="Document" r:id="rId3" imgW="7313400" imgH="2308371" progId="Word.Document.12">
                   <p:embed/>
                 </p:oleObj>
               </mc:Choice>
               <mc:Fallback>
-                <p:oleObj name="Document" r:id="rId4" imgW="7313400" imgH="2308371" progId="Word.Document.12">
+                <p:oleObj name="Document" r:id="rId3" imgW="7313400" imgH="2308371" progId="Word.Document.12">
                   <p:embed/>
                   <p:pic>
                     <p:nvPicPr>
@@ -2656,7 +2647,7 @@
                       <p:nvPr/>
                     </p:nvPicPr>
                     <p:blipFill>
-                      <a:blip r:embed="rId5"/>
+                      <a:blip r:embed="rId4"/>
                       <a:stretch>
                         <a:fillRect/>
                       </a:stretch>
@@ -2693,10 +2684,9 @@
           <a:lstStyle/>
           <a:p>
             <a:r>
-              <a:rPr lang="en-US" dirty="0" smtClean="0"/>
+              <a:rPr lang="en-US" dirty="0"/>
               <a:t>Chapter 9</a:t>
             </a:r>
-            <a:endParaRPr lang="en-US" dirty="0"/>
           </a:p>
         </p:txBody>
       </p:sp>
@@ -2719,10 +2709,9 @@
               <a:defRPr/>
             </a:pPr>
             <a:r>
-              <a:rPr lang="en-US" smtClean="0"/>
+              <a:rPr lang="en-US"/>
               <a:t>Murach's JavaScript and jQuery (3rd Ed.)</a:t>
             </a:r>
-            <a:endParaRPr lang="en-US"/>
           </a:p>
         </p:txBody>
       </p:sp>
@@ -2745,10 +2734,9 @@
               <a:defRPr/>
             </a:pPr>
             <a:r>
-              <a:rPr lang="en-US" smtClean="0"/>
+              <a:rPr lang="en-US"/>
               <a:t>© 2017, Mike Murach &amp; Associates, Inc.</a:t>
             </a:r>
-            <a:endParaRPr lang="en-US"/>
           </a:p>
         </p:txBody>
       </p:sp>
@@ -2770,7 +2758,7 @@
             <a:pPr algn="l">
               <a:defRPr/>
             </a:pPr>
-            <a:endParaRPr lang="en-US" sz="1400" smtClean="0">
+            <a:endParaRPr lang="en-US" sz="1400">
               <a:latin typeface="Times New Roman"/>
             </a:endParaRPr>
           </a:p>
@@ -2779,7 +2767,7 @@
               <a:defRPr/>
             </a:pPr>
             <a:r>
-              <a:rPr lang="en-US" smtClean="0">
+              <a:rPr lang="en-US">
                 <a:solidFill>
                   <a:schemeClr val="bg1"/>
                 </a:solidFill>
@@ -2815,13 +2803,6 @@
   <p:clrMapOvr>
     <a:masterClrMapping/>
   </p:clrMapOvr>
-  <p:timing>
-    <p:tnLst>
-      <p:par>
-        <p:cTn id="1" dur="indefinite" restart="never" nodeType="tmRoot"/>
-      </p:par>
-    </p:tnLst>
-  </p:timing>
 </p:sld>
 </file>
 
@@ -2864,12 +2845,12 @@
           <a:graphicData uri="http://schemas.openxmlformats.org/presentationml/2006/ole">
             <mc:AlternateContent xmlns:mc="http://schemas.openxmlformats.org/markup-compatibility/2006">
               <mc:Choice xmlns:v="urn:schemas-microsoft-com:vml" Requires="v">
-                <p:oleObj spid="_x0000_s10257" name="Document" r:id="rId4" imgW="7301323" imgH="1159772" progId="Word.Document.12">
+                <p:oleObj spid="_x0000_s10258" name="Document" r:id="rId3" imgW="7301323" imgH="1159772" progId="Word.Document.12">
                   <p:embed/>
                 </p:oleObj>
               </mc:Choice>
               <mc:Fallback>
-                <p:oleObj name="Document" r:id="rId4" imgW="7301323" imgH="1159772" progId="Word.Document.12">
+                <p:oleObj name="Document" r:id="rId3" imgW="7301323" imgH="1159772" progId="Word.Document.12">
                   <p:embed/>
                   <p:pic>
                     <p:nvPicPr>
@@ -2878,7 +2859,7 @@
                       <p:nvPr/>
                     </p:nvPicPr>
                     <p:blipFill>
-                      <a:blip r:embed="rId5"/>
+                      <a:blip r:embed="rId4"/>
                       <a:stretch>
                         <a:fillRect/>
                       </a:stretch>
@@ -2915,41 +2896,40 @@
           <a:lstStyle/>
           <a:p>
             <a:r>
-              <a:rPr lang="en-US" dirty="0" smtClean="0"/>
+              <a:rPr lang="en-US" dirty="0"/>
               <a:t>Terms</a:t>
             </a:r>
+          </a:p>
+        </p:txBody>
+      </p:sp>
+      <p:sp>
+        <p:nvSpPr>
+          <p:cNvPr id="8" name="Date Placeholder 7"/>
+          <p:cNvSpPr>
+            <a:spLocks noGrp="1"/>
+          </p:cNvSpPr>
+          <p:nvPr>
+            <p:ph type="dt" sz="half" idx="10"/>
+          </p:nvPr>
+        </p:nvSpPr>
+        <p:spPr/>
+        <p:txBody>
+          <a:bodyPr/>
+          <a:lstStyle/>
+          <a:p>
+            <a:pPr>
+              <a:defRPr/>
+            </a:pPr>
+            <a:r>
+              <a:rPr lang="en-US"/>
+              <a:t>Murach's JavaScript and jQuery (3rd Ed.)</a:t>
+            </a:r>
             <a:endParaRPr lang="en-US" dirty="0"/>
           </a:p>
         </p:txBody>
       </p:sp>
       <p:sp>
         <p:nvSpPr>
-          <p:cNvPr id="8" name="Date Placeholder 7"/>
-          <p:cNvSpPr>
-            <a:spLocks noGrp="1"/>
-          </p:cNvSpPr>
-          <p:nvPr>
-            <p:ph type="dt" sz="half" idx="10"/>
-          </p:nvPr>
-        </p:nvSpPr>
-        <p:spPr/>
-        <p:txBody>
-          <a:bodyPr/>
-          <a:lstStyle/>
-          <a:p>
-            <a:pPr>
-              <a:defRPr/>
-            </a:pPr>
-            <a:r>
-              <a:rPr lang="en-US" smtClean="0"/>
-              <a:t>Murach's JavaScript and jQuery (3rd Ed.)</a:t>
-            </a:r>
-            <a:endParaRPr lang="en-US" dirty="0"/>
-          </a:p>
-        </p:txBody>
-      </p:sp>
-      <p:sp>
-        <p:nvSpPr>
           <p:cNvPr id="9" name="Footer Placeholder 8"/>
           <p:cNvSpPr>
             <a:spLocks noGrp="1"/>
@@ -2967,39 +2947,38 @@
               <a:defRPr/>
             </a:pPr>
             <a:r>
-              <a:rPr lang="en-US" smtClean="0"/>
+              <a:rPr lang="en-US"/>
               <a:t>© 2017, Mike Murach &amp; Associates, Inc.</a:t>
             </a:r>
+          </a:p>
+        </p:txBody>
+      </p:sp>
+      <p:sp>
+        <p:nvSpPr>
+          <p:cNvPr id="10" name="Slide Number Placeholder 9"/>
+          <p:cNvSpPr>
+            <a:spLocks noGrp="1"/>
+          </p:cNvSpPr>
+          <p:nvPr>
+            <p:ph type="sldNum" sz="quarter" idx="12"/>
+          </p:nvPr>
+        </p:nvSpPr>
+        <p:spPr/>
+        <p:txBody>
+          <a:bodyPr/>
+          <a:lstStyle/>
+          <a:p>
+            <a:pPr>
+              <a:defRPr/>
+            </a:pPr>
             <a:endParaRPr lang="en-US"/>
           </a:p>
-        </p:txBody>
-      </p:sp>
-      <p:sp>
-        <p:nvSpPr>
-          <p:cNvPr id="10" name="Slide Number Placeholder 9"/>
-          <p:cNvSpPr>
-            <a:spLocks noGrp="1"/>
-          </p:cNvSpPr>
-          <p:nvPr>
-            <p:ph type="sldNum" sz="quarter" idx="12"/>
-          </p:nvPr>
-        </p:nvSpPr>
-        <p:spPr/>
-        <p:txBody>
-          <a:bodyPr/>
-          <a:lstStyle/>
-          <a:p>
-            <a:pPr>
-              <a:defRPr/>
-            </a:pPr>
-            <a:endParaRPr lang="en-US" smtClean="0"/>
-          </a:p>
           <a:p>
             <a:pPr algn="r">
               <a:defRPr/>
             </a:pPr>
             <a:r>
-              <a:rPr lang="en-US" sz="900" smtClean="0">
+              <a:rPr lang="en-US" sz="900">
                 <a:solidFill>
                   <a:schemeClr val="bg1"/>
                 </a:solidFill>
@@ -3038,13 +3017,6 @@
   <p:clrMapOvr>
     <a:masterClrMapping/>
   </p:clrMapOvr>
-  <p:timing>
-    <p:tnLst>
-      <p:par>
-        <p:cTn id="1" dur="indefinite" restart="never" nodeType="tmRoot"/>
-      </p:par>
-    </p:tnLst>
-  </p:timing>
 </p:sld>
 </file>
 
@@ -3122,20 +3094,12 @@
               <a:rPr lang="en-US" dirty="0"/>
               <a:t>A Slide Show application </a:t>
             </a:r>
-            <a:r>
-              <a:rPr lang="en-US" dirty="0" smtClean="0"/>
-              <a:t/>
-            </a:r>
             <a:br>
-              <a:rPr lang="en-US" dirty="0" smtClean="0"/>
+              <a:rPr lang="en-US" dirty="0"/>
             </a:br>
             <a:r>
-              <a:rPr lang="en-US" dirty="0" smtClean="0"/>
-              <a:t>with </a:t>
-            </a:r>
-            <a:r>
               <a:rPr lang="en-US" dirty="0"/>
-              <a:t>fading out and fading in</a:t>
+              <a:t>with fading out and fading in</a:t>
             </a:r>
           </a:p>
         </p:txBody>
@@ -3159,7 +3123,7 @@
               <a:defRPr/>
             </a:pPr>
             <a:r>
-              <a:rPr lang="en-US" smtClean="0"/>
+              <a:rPr lang="en-US"/>
               <a:t>Murach's JavaScript and jQuery (3rd Ed.)</a:t>
             </a:r>
             <a:endParaRPr lang="en-US" dirty="0"/>
@@ -3185,39 +3149,38 @@
               <a:defRPr/>
             </a:pPr>
             <a:r>
-              <a:rPr lang="en-US" smtClean="0"/>
+              <a:rPr lang="en-US"/>
               <a:t>© 2017, Mike Murach &amp; Associates, Inc.</a:t>
             </a:r>
+          </a:p>
+        </p:txBody>
+      </p:sp>
+      <p:sp>
+        <p:nvSpPr>
+          <p:cNvPr id="10" name="Slide Number Placeholder 9"/>
+          <p:cNvSpPr>
+            <a:spLocks noGrp="1"/>
+          </p:cNvSpPr>
+          <p:nvPr>
+            <p:ph type="sldNum" sz="quarter" idx="12"/>
+          </p:nvPr>
+        </p:nvSpPr>
+        <p:spPr/>
+        <p:txBody>
+          <a:bodyPr/>
+          <a:lstStyle/>
+          <a:p>
+            <a:pPr>
+              <a:defRPr/>
+            </a:pPr>
             <a:endParaRPr lang="en-US"/>
           </a:p>
-        </p:txBody>
-      </p:sp>
-      <p:sp>
-        <p:nvSpPr>
-          <p:cNvPr id="10" name="Slide Number Placeholder 9"/>
-          <p:cNvSpPr>
-            <a:spLocks noGrp="1"/>
-          </p:cNvSpPr>
-          <p:nvPr>
-            <p:ph type="sldNum" sz="quarter" idx="12"/>
-          </p:nvPr>
-        </p:nvSpPr>
-        <p:spPr/>
-        <p:txBody>
-          <a:bodyPr/>
-          <a:lstStyle/>
-          <a:p>
-            <a:pPr>
-              <a:defRPr/>
-            </a:pPr>
-            <a:endParaRPr lang="en-US" smtClean="0"/>
-          </a:p>
           <a:p>
             <a:pPr algn="r">
               <a:defRPr/>
             </a:pPr>
             <a:r>
-              <a:rPr lang="en-US" sz="900" smtClean="0">
+              <a:rPr lang="en-US" sz="900">
                 <a:solidFill>
                   <a:schemeClr val="bg1"/>
                 </a:solidFill>
@@ -3256,13 +3219,6 @@
   <p:clrMapOvr>
     <a:masterClrMapping/>
   </p:clrMapOvr>
-  <p:timing>
-    <p:tnLst>
-      <p:par>
-        <p:cTn id="1" dur="indefinite" restart="never" nodeType="tmRoot"/>
-      </p:par>
-    </p:tnLst>
-  </p:timing>
 </p:sld>
 </file>
 
@@ -3305,12 +3261,12 @@
           <a:graphicData uri="http://schemas.openxmlformats.org/presentationml/2006/ole">
             <mc:AlternateContent xmlns:mc="http://schemas.openxmlformats.org/markup-compatibility/2006">
               <mc:Choice xmlns:v="urn:schemas-microsoft-com:vml" Requires="v">
-                <p:oleObj spid="_x0000_s12306" name="Document" r:id="rId4" imgW="7313400" imgH="3658639" progId="Word.Document.12">
+                <p:oleObj spid="_x0000_s12307" name="Document" r:id="rId3" imgW="7313400" imgH="3658639" progId="Word.Document.12">
                   <p:embed/>
                 </p:oleObj>
               </mc:Choice>
               <mc:Fallback>
-                <p:oleObj name="Document" r:id="rId4" imgW="7313400" imgH="3658639" progId="Word.Document.12">
+                <p:oleObj name="Document" r:id="rId3" imgW="7313400" imgH="3658639" progId="Word.Document.12">
                   <p:embed/>
                   <p:pic>
                     <p:nvPicPr>
@@ -3319,7 +3275,7 @@
                       <p:nvPr/>
                     </p:nvPicPr>
                     <p:blipFill>
-                      <a:blip r:embed="rId5"/>
+                      <a:blip r:embed="rId4"/>
                       <a:stretch>
                         <a:fillRect/>
                       </a:stretch>
@@ -3386,7 +3342,7 @@
               <a:defRPr/>
             </a:pPr>
             <a:r>
-              <a:rPr lang="en-US" smtClean="0"/>
+              <a:rPr lang="en-US"/>
               <a:t>Murach's JavaScript and jQuery (3rd Ed.)</a:t>
             </a:r>
             <a:endParaRPr lang="en-US" dirty="0"/>
@@ -3412,39 +3368,38 @@
               <a:defRPr/>
             </a:pPr>
             <a:r>
-              <a:rPr lang="en-US" smtClean="0"/>
+              <a:rPr lang="en-US"/>
               <a:t>© 2017, Mike Murach &amp; Associates, Inc.</a:t>
             </a:r>
+          </a:p>
+        </p:txBody>
+      </p:sp>
+      <p:sp>
+        <p:nvSpPr>
+          <p:cNvPr id="10" name="Slide Number Placeholder 9"/>
+          <p:cNvSpPr>
+            <a:spLocks noGrp="1"/>
+          </p:cNvSpPr>
+          <p:nvPr>
+            <p:ph type="sldNum" sz="quarter" idx="12"/>
+          </p:nvPr>
+        </p:nvSpPr>
+        <p:spPr/>
+        <p:txBody>
+          <a:bodyPr/>
+          <a:lstStyle/>
+          <a:p>
+            <a:pPr>
+              <a:defRPr/>
+            </a:pPr>
             <a:endParaRPr lang="en-US"/>
           </a:p>
-        </p:txBody>
-      </p:sp>
-      <p:sp>
-        <p:nvSpPr>
-          <p:cNvPr id="10" name="Slide Number Placeholder 9"/>
-          <p:cNvSpPr>
-            <a:spLocks noGrp="1"/>
-          </p:cNvSpPr>
-          <p:nvPr>
-            <p:ph type="sldNum" sz="quarter" idx="12"/>
-          </p:nvPr>
-        </p:nvSpPr>
-        <p:spPr/>
-        <p:txBody>
-          <a:bodyPr/>
-          <a:lstStyle/>
-          <a:p>
-            <a:pPr>
-              <a:defRPr/>
-            </a:pPr>
-            <a:endParaRPr lang="en-US" smtClean="0"/>
-          </a:p>
           <a:p>
             <a:pPr algn="r">
               <a:defRPr/>
             </a:pPr>
             <a:r>
-              <a:rPr lang="en-US" sz="900" smtClean="0">
+              <a:rPr lang="en-US" sz="900">
                 <a:solidFill>
                   <a:schemeClr val="bg1"/>
                 </a:solidFill>
@@ -3483,13 +3438,6 @@
   <p:clrMapOvr>
     <a:masterClrMapping/>
   </p:clrMapOvr>
-  <p:timing>
-    <p:tnLst>
-      <p:par>
-        <p:cTn id="1" dur="indefinite" restart="never" nodeType="tmRoot"/>
-      </p:par>
-    </p:tnLst>
-  </p:timing>
 </p:sld>
 </file>
 
@@ -3532,12 +3480,12 @@
           <a:graphicData uri="http://schemas.openxmlformats.org/presentationml/2006/ole">
             <mc:AlternateContent xmlns:mc="http://schemas.openxmlformats.org/markup-compatibility/2006">
               <mc:Choice xmlns:v="urn:schemas-microsoft-com:vml" Requires="v">
-                <p:oleObj spid="_x0000_s13329" name="Document" r:id="rId4" imgW="7313400" imgH="1616867" progId="Word.Document.12">
+                <p:oleObj spid="_x0000_s13330" name="Document" r:id="rId3" imgW="7313400" imgH="1616867" progId="Word.Document.12">
                   <p:embed/>
                 </p:oleObj>
               </mc:Choice>
               <mc:Fallback>
-                <p:oleObj name="Document" r:id="rId4" imgW="7313400" imgH="1616867" progId="Word.Document.12">
+                <p:oleObj name="Document" r:id="rId3" imgW="7313400" imgH="1616867" progId="Word.Document.12">
                   <p:embed/>
                   <p:pic>
                     <p:nvPicPr>
@@ -3546,7 +3494,7 @@
                       <p:nvPr/>
                     </p:nvPicPr>
                     <p:blipFill>
-                      <a:blip r:embed="rId5"/>
+                      <a:blip r:embed="rId4"/>
                       <a:stretch>
                         <a:fillRect/>
                       </a:stretch>
@@ -3613,7 +3561,7 @@
               <a:defRPr/>
             </a:pPr>
             <a:r>
-              <a:rPr lang="en-US" smtClean="0"/>
+              <a:rPr lang="en-US"/>
               <a:t>Murach's JavaScript and jQuery (3rd Ed.)</a:t>
             </a:r>
             <a:endParaRPr lang="en-US" dirty="0"/>
@@ -3639,39 +3587,38 @@
               <a:defRPr/>
             </a:pPr>
             <a:r>
-              <a:rPr lang="en-US" smtClean="0"/>
+              <a:rPr lang="en-US"/>
               <a:t>© 2017, Mike Murach &amp; Associates, Inc.</a:t>
             </a:r>
+          </a:p>
+        </p:txBody>
+      </p:sp>
+      <p:sp>
+        <p:nvSpPr>
+          <p:cNvPr id="10" name="Slide Number Placeholder 9"/>
+          <p:cNvSpPr>
+            <a:spLocks noGrp="1"/>
+          </p:cNvSpPr>
+          <p:nvPr>
+            <p:ph type="sldNum" sz="quarter" idx="12"/>
+          </p:nvPr>
+        </p:nvSpPr>
+        <p:spPr/>
+        <p:txBody>
+          <a:bodyPr/>
+          <a:lstStyle/>
+          <a:p>
+            <a:pPr>
+              <a:defRPr/>
+            </a:pPr>
             <a:endParaRPr lang="en-US"/>
           </a:p>
-        </p:txBody>
-      </p:sp>
-      <p:sp>
-        <p:nvSpPr>
-          <p:cNvPr id="10" name="Slide Number Placeholder 9"/>
-          <p:cNvSpPr>
-            <a:spLocks noGrp="1"/>
-          </p:cNvSpPr>
-          <p:nvPr>
-            <p:ph type="sldNum" sz="quarter" idx="12"/>
-          </p:nvPr>
-        </p:nvSpPr>
-        <p:spPr/>
-        <p:txBody>
-          <a:bodyPr/>
-          <a:lstStyle/>
-          <a:p>
-            <a:pPr>
-              <a:defRPr/>
-            </a:pPr>
-            <a:endParaRPr lang="en-US" smtClean="0"/>
-          </a:p>
           <a:p>
             <a:pPr algn="r">
               <a:defRPr/>
             </a:pPr>
             <a:r>
-              <a:rPr lang="en-US" sz="900" smtClean="0">
+              <a:rPr lang="en-US" sz="900">
                 <a:solidFill>
                   <a:schemeClr val="bg1"/>
                 </a:solidFill>
@@ -3710,13 +3657,6 @@
   <p:clrMapOvr>
     <a:masterClrMapping/>
   </p:clrMapOvr>
-  <p:timing>
-    <p:tnLst>
-      <p:par>
-        <p:cTn id="1" dur="indefinite" restart="never" nodeType="tmRoot"/>
-      </p:par>
-    </p:tnLst>
-  </p:timing>
 </p:sld>
 </file>
 
@@ -3759,12 +3699,12 @@
           <a:graphicData uri="http://schemas.openxmlformats.org/presentationml/2006/ole">
             <mc:AlternateContent xmlns:mc="http://schemas.openxmlformats.org/markup-compatibility/2006">
               <mc:Choice xmlns:v="urn:schemas-microsoft-com:vml" Requires="v">
-                <p:oleObj spid="_x0000_s14354" name="Document" r:id="rId4" imgW="7313400" imgH="3282665" progId="Word.Document.12">
+                <p:oleObj spid="_x0000_s14355" name="Document" r:id="rId3" imgW="7313400" imgH="3282665" progId="Word.Document.12">
                   <p:embed/>
                 </p:oleObj>
               </mc:Choice>
               <mc:Fallback>
-                <p:oleObj name="Document" r:id="rId4" imgW="7313400" imgH="3282665" progId="Word.Document.12">
+                <p:oleObj name="Document" r:id="rId3" imgW="7313400" imgH="3282665" progId="Word.Document.12">
                   <p:embed/>
                   <p:pic>
                     <p:nvPicPr>
@@ -3773,7 +3713,7 @@
                       <p:nvPr/>
                     </p:nvPicPr>
                     <p:blipFill>
-                      <a:blip r:embed="rId5"/>
+                      <a:blip r:embed="rId4"/>
                       <a:stretch>
                         <a:fillRect/>
                       </a:stretch>
@@ -3840,7 +3780,7 @@
               <a:defRPr/>
             </a:pPr>
             <a:r>
-              <a:rPr lang="en-US" smtClean="0"/>
+              <a:rPr lang="en-US"/>
               <a:t>Murach's JavaScript and jQuery (3rd Ed.)</a:t>
             </a:r>
             <a:endParaRPr lang="en-US" dirty="0"/>
@@ -3866,39 +3806,38 @@
               <a:defRPr/>
             </a:pPr>
             <a:r>
-              <a:rPr lang="en-US" smtClean="0"/>
+              <a:rPr lang="en-US"/>
               <a:t>© 2017, Mike Murach &amp; Associates, Inc.</a:t>
             </a:r>
+          </a:p>
+        </p:txBody>
+      </p:sp>
+      <p:sp>
+        <p:nvSpPr>
+          <p:cNvPr id="10" name="Slide Number Placeholder 9"/>
+          <p:cNvSpPr>
+            <a:spLocks noGrp="1"/>
+          </p:cNvSpPr>
+          <p:nvPr>
+            <p:ph type="sldNum" sz="quarter" idx="12"/>
+          </p:nvPr>
+        </p:nvSpPr>
+        <p:spPr/>
+        <p:txBody>
+          <a:bodyPr/>
+          <a:lstStyle/>
+          <a:p>
+            <a:pPr>
+              <a:defRPr/>
+            </a:pPr>
             <a:endParaRPr lang="en-US"/>
           </a:p>
-        </p:txBody>
-      </p:sp>
-      <p:sp>
-        <p:nvSpPr>
-          <p:cNvPr id="10" name="Slide Number Placeholder 9"/>
-          <p:cNvSpPr>
-            <a:spLocks noGrp="1"/>
-          </p:cNvSpPr>
-          <p:nvPr>
-            <p:ph type="sldNum" sz="quarter" idx="12"/>
-          </p:nvPr>
-        </p:nvSpPr>
-        <p:spPr/>
-        <p:txBody>
-          <a:bodyPr/>
-          <a:lstStyle/>
-          <a:p>
-            <a:pPr>
-              <a:defRPr/>
-            </a:pPr>
-            <a:endParaRPr lang="en-US" smtClean="0"/>
-          </a:p>
           <a:p>
             <a:pPr algn="r">
               <a:defRPr/>
             </a:pPr>
             <a:r>
-              <a:rPr lang="en-US" sz="900" smtClean="0">
+              <a:rPr lang="en-US" sz="900">
                 <a:solidFill>
                   <a:schemeClr val="bg1"/>
                 </a:solidFill>
@@ -3937,13 +3876,6 @@
   <p:clrMapOvr>
     <a:masterClrMapping/>
   </p:clrMapOvr>
-  <p:timing>
-    <p:tnLst>
-      <p:par>
-        <p:cTn id="1" dur="indefinite" restart="never" nodeType="tmRoot"/>
-      </p:par>
-    </p:tnLst>
-  </p:timing>
 </p:sld>
 </file>
 
@@ -3986,12 +3918,12 @@
           <a:graphicData uri="http://schemas.openxmlformats.org/presentationml/2006/ole">
             <mc:AlternateContent xmlns:mc="http://schemas.openxmlformats.org/markup-compatibility/2006">
               <mc:Choice xmlns:v="urn:schemas-microsoft-com:vml" Requires="v">
-                <p:oleObj spid="_x0000_s15377" name="Document" r:id="rId4" imgW="7313400" imgH="3054922" progId="Word.Document.12">
+                <p:oleObj spid="_x0000_s15378" name="Document" r:id="rId3" imgW="7313400" imgH="3054922" progId="Word.Document.12">
                   <p:embed/>
                 </p:oleObj>
               </mc:Choice>
               <mc:Fallback>
-                <p:oleObj name="Document" r:id="rId4" imgW="7313400" imgH="3054922" progId="Word.Document.12">
+                <p:oleObj name="Document" r:id="rId3" imgW="7313400" imgH="3054922" progId="Word.Document.12">
                   <p:embed/>
                   <p:pic>
                     <p:nvPicPr>
@@ -4000,7 +3932,7 @@
                       <p:nvPr/>
                     </p:nvPicPr>
                     <p:blipFill>
-                      <a:blip r:embed="rId5"/>
+                      <a:blip r:embed="rId4"/>
                       <a:stretch>
                         <a:fillRect/>
                       </a:stretch>
@@ -4067,7 +3999,7 @@
               <a:defRPr/>
             </a:pPr>
             <a:r>
-              <a:rPr lang="en-US" smtClean="0"/>
+              <a:rPr lang="en-US"/>
               <a:t>Murach's JavaScript and jQuery (3rd Ed.)</a:t>
             </a:r>
             <a:endParaRPr lang="en-US" dirty="0"/>
@@ -4093,39 +4025,38 @@
               <a:defRPr/>
             </a:pPr>
             <a:r>
-              <a:rPr lang="en-US" smtClean="0"/>
+              <a:rPr lang="en-US"/>
               <a:t>© 2017, Mike Murach &amp; Associates, Inc.</a:t>
             </a:r>
+          </a:p>
+        </p:txBody>
+      </p:sp>
+      <p:sp>
+        <p:nvSpPr>
+          <p:cNvPr id="10" name="Slide Number Placeholder 9"/>
+          <p:cNvSpPr>
+            <a:spLocks noGrp="1"/>
+          </p:cNvSpPr>
+          <p:nvPr>
+            <p:ph type="sldNum" sz="quarter" idx="12"/>
+          </p:nvPr>
+        </p:nvSpPr>
+        <p:spPr/>
+        <p:txBody>
+          <a:bodyPr/>
+          <a:lstStyle/>
+          <a:p>
+            <a:pPr>
+              <a:defRPr/>
+            </a:pPr>
             <a:endParaRPr lang="en-US"/>
           </a:p>
-        </p:txBody>
-      </p:sp>
-      <p:sp>
-        <p:nvSpPr>
-          <p:cNvPr id="10" name="Slide Number Placeholder 9"/>
-          <p:cNvSpPr>
-            <a:spLocks noGrp="1"/>
-          </p:cNvSpPr>
-          <p:nvPr>
-            <p:ph type="sldNum" sz="quarter" idx="12"/>
-          </p:nvPr>
-        </p:nvSpPr>
-        <p:spPr/>
-        <p:txBody>
-          <a:bodyPr/>
-          <a:lstStyle/>
-          <a:p>
-            <a:pPr>
-              <a:defRPr/>
-            </a:pPr>
-            <a:endParaRPr lang="en-US" smtClean="0"/>
-          </a:p>
           <a:p>
             <a:pPr algn="r">
               <a:defRPr/>
             </a:pPr>
             <a:r>
-              <a:rPr lang="en-US" sz="900" smtClean="0">
+              <a:rPr lang="en-US" sz="900">
                 <a:solidFill>
                   <a:schemeClr val="bg1"/>
                 </a:solidFill>
@@ -4164,13 +4095,6 @@
   <p:clrMapOvr>
     <a:masterClrMapping/>
   </p:clrMapOvr>
-  <p:timing>
-    <p:tnLst>
-      <p:par>
-        <p:cTn id="1" dur="indefinite" restart="never" nodeType="tmRoot"/>
-      </p:par>
-    </p:tnLst>
-  </p:timing>
 </p:sld>
 </file>
 
@@ -4213,12 +4137,12 @@
           <a:graphicData uri="http://schemas.openxmlformats.org/presentationml/2006/ole">
             <mc:AlternateContent xmlns:mc="http://schemas.openxmlformats.org/markup-compatibility/2006">
               <mc:Choice xmlns:v="urn:schemas-microsoft-com:vml" Requires="v">
-                <p:oleObj spid="_x0000_s16402" name="Document" r:id="rId4" imgW="7313400" imgH="3918762" progId="Word.Document.12">
+                <p:oleObj spid="_x0000_s16403" name="Document" r:id="rId3" imgW="7313400" imgH="3918762" progId="Word.Document.12">
                   <p:embed/>
                 </p:oleObj>
               </mc:Choice>
               <mc:Fallback>
-                <p:oleObj name="Document" r:id="rId4" imgW="7313400" imgH="3918762" progId="Word.Document.12">
+                <p:oleObj name="Document" r:id="rId3" imgW="7313400" imgH="3918762" progId="Word.Document.12">
                   <p:embed/>
                   <p:pic>
                     <p:nvPicPr>
@@ -4227,7 +4151,7 @@
                       <p:nvPr/>
                     </p:nvPicPr>
                     <p:blipFill>
-                      <a:blip r:embed="rId5"/>
+                      <a:blip r:embed="rId4"/>
                       <a:stretch>
                         <a:fillRect/>
                       </a:stretch>
@@ -4294,7 +4218,7 @@
               <a:defRPr/>
             </a:pPr>
             <a:r>
-              <a:rPr lang="en-US" smtClean="0"/>
+              <a:rPr lang="en-US"/>
               <a:t>Murach's JavaScript and jQuery (3rd Ed.)</a:t>
             </a:r>
             <a:endParaRPr lang="en-US" dirty="0"/>
@@ -4320,39 +4244,38 @@
               <a:defRPr/>
             </a:pPr>
             <a:r>
-              <a:rPr lang="en-US" smtClean="0"/>
+              <a:rPr lang="en-US"/>
               <a:t>© 2017, Mike Murach &amp; Associates, Inc.</a:t>
             </a:r>
+          </a:p>
+        </p:txBody>
+      </p:sp>
+      <p:sp>
+        <p:nvSpPr>
+          <p:cNvPr id="10" name="Slide Number Placeholder 9"/>
+          <p:cNvSpPr>
+            <a:spLocks noGrp="1"/>
+          </p:cNvSpPr>
+          <p:nvPr>
+            <p:ph type="sldNum" sz="quarter" idx="12"/>
+          </p:nvPr>
+        </p:nvSpPr>
+        <p:spPr/>
+        <p:txBody>
+          <a:bodyPr/>
+          <a:lstStyle/>
+          <a:p>
+            <a:pPr>
+              <a:defRPr/>
+            </a:pPr>
             <a:endParaRPr lang="en-US"/>
           </a:p>
-        </p:txBody>
-      </p:sp>
-      <p:sp>
-        <p:nvSpPr>
-          <p:cNvPr id="10" name="Slide Number Placeholder 9"/>
-          <p:cNvSpPr>
-            <a:spLocks noGrp="1"/>
-          </p:cNvSpPr>
-          <p:nvPr>
-            <p:ph type="sldNum" sz="quarter" idx="12"/>
-          </p:nvPr>
-        </p:nvSpPr>
-        <p:spPr/>
-        <p:txBody>
-          <a:bodyPr/>
-          <a:lstStyle/>
-          <a:p>
-            <a:pPr>
-              <a:defRPr/>
-            </a:pPr>
-            <a:endParaRPr lang="en-US" smtClean="0"/>
-          </a:p>
           <a:p>
             <a:pPr algn="r">
               <a:defRPr/>
             </a:pPr>
             <a:r>
-              <a:rPr lang="en-US" sz="900" smtClean="0">
+              <a:rPr lang="en-US" sz="900">
                 <a:solidFill>
                   <a:schemeClr val="bg1"/>
                 </a:solidFill>
@@ -4391,13 +4314,6 @@
   <p:clrMapOvr>
     <a:masterClrMapping/>
   </p:clrMapOvr>
-  <p:timing>
-    <p:tnLst>
-      <p:par>
-        <p:cTn id="1" dur="indefinite" restart="never" nodeType="tmRoot"/>
-      </p:par>
-    </p:tnLst>
-  </p:timing>
 </p:sld>
 </file>
 
@@ -4440,12 +4356,12 @@
           <a:graphicData uri="http://schemas.openxmlformats.org/presentationml/2006/ole">
             <mc:AlternateContent xmlns:mc="http://schemas.openxmlformats.org/markup-compatibility/2006">
               <mc:Choice xmlns:v="urn:schemas-microsoft-com:vml" Requires="v">
-                <p:oleObj spid="_x0000_s17427" name="Document" r:id="rId4" imgW="7313400" imgH="2767095" progId="Word.Document.12">
+                <p:oleObj spid="_x0000_s17428" name="Document" r:id="rId3" imgW="7313400" imgH="2767095" progId="Word.Document.12">
                   <p:embed/>
                 </p:oleObj>
               </mc:Choice>
               <mc:Fallback>
-                <p:oleObj name="Document" r:id="rId4" imgW="7313400" imgH="2767095" progId="Word.Document.12">
+                <p:oleObj name="Document" r:id="rId3" imgW="7313400" imgH="2767095" progId="Word.Document.12">
                   <p:embed/>
                   <p:pic>
                     <p:nvPicPr>
@@ -4454,7 +4370,7 @@
                       <p:nvPr/>
                     </p:nvPicPr>
                     <p:blipFill>
-                      <a:blip r:embed="rId5"/>
+                      <a:blip r:embed="rId4"/>
                       <a:stretch>
                         <a:fillRect/>
                       </a:stretch>
@@ -4521,7 +4437,7 @@
               <a:defRPr/>
             </a:pPr>
             <a:r>
-              <a:rPr lang="en-US" smtClean="0"/>
+              <a:rPr lang="en-US"/>
               <a:t>Murach's JavaScript and jQuery (3rd Ed.)</a:t>
             </a:r>
             <a:endParaRPr lang="en-US" dirty="0"/>
@@ -4547,39 +4463,38 @@
               <a:defRPr/>
             </a:pPr>
             <a:r>
-              <a:rPr lang="en-US" smtClean="0"/>
+              <a:rPr lang="en-US"/>
               <a:t>© 2017, Mike Murach &amp; Associates, Inc.</a:t>
             </a:r>
+          </a:p>
+        </p:txBody>
+      </p:sp>
+      <p:sp>
+        <p:nvSpPr>
+          <p:cNvPr id="10" name="Slide Number Placeholder 9"/>
+          <p:cNvSpPr>
+            <a:spLocks noGrp="1"/>
+          </p:cNvSpPr>
+          <p:nvPr>
+            <p:ph type="sldNum" sz="quarter" idx="12"/>
+          </p:nvPr>
+        </p:nvSpPr>
+        <p:spPr/>
+        <p:txBody>
+          <a:bodyPr/>
+          <a:lstStyle/>
+          <a:p>
+            <a:pPr>
+              <a:defRPr/>
+            </a:pPr>
             <a:endParaRPr lang="en-US"/>
           </a:p>
-        </p:txBody>
-      </p:sp>
-      <p:sp>
-        <p:nvSpPr>
-          <p:cNvPr id="10" name="Slide Number Placeholder 9"/>
-          <p:cNvSpPr>
-            <a:spLocks noGrp="1"/>
-          </p:cNvSpPr>
-          <p:nvPr>
-            <p:ph type="sldNum" sz="quarter" idx="12"/>
-          </p:nvPr>
-        </p:nvSpPr>
-        <p:spPr/>
-        <p:txBody>
-          <a:bodyPr/>
-          <a:lstStyle/>
-          <a:p>
-            <a:pPr>
-              <a:defRPr/>
-            </a:pPr>
-            <a:endParaRPr lang="en-US" smtClean="0"/>
-          </a:p>
           <a:p>
             <a:pPr algn="r">
               <a:defRPr/>
             </a:pPr>
             <a:r>
-              <a:rPr lang="en-US" sz="900" smtClean="0">
+              <a:rPr lang="en-US" sz="900">
                 <a:solidFill>
                   <a:schemeClr val="bg1"/>
                 </a:solidFill>
@@ -4618,13 +4533,6 @@
   <p:clrMapOvr>
     <a:masterClrMapping/>
   </p:clrMapOvr>
-  <p:timing>
-    <p:tnLst>
-      <p:par>
-        <p:cTn id="1" dur="indefinite" restart="never" nodeType="tmRoot"/>
-      </p:par>
-    </p:tnLst>
-  </p:timing>
 </p:sld>
 </file>
 
@@ -4667,12 +4575,12 @@
           <a:graphicData uri="http://schemas.openxmlformats.org/presentationml/2006/ole">
             <mc:AlternateContent xmlns:mc="http://schemas.openxmlformats.org/markup-compatibility/2006">
               <mc:Choice xmlns:v="urn:schemas-microsoft-com:vml" Requires="v">
-                <p:oleObj spid="_x0000_s18451" name="Document" r:id="rId4" imgW="7313400" imgH="3860117" progId="Word.Document.12">
+                <p:oleObj spid="_x0000_s18452" name="Document" r:id="rId3" imgW="7313400" imgH="3860117" progId="Word.Document.12">
                   <p:embed/>
                 </p:oleObj>
               </mc:Choice>
               <mc:Fallback>
-                <p:oleObj name="Document" r:id="rId4" imgW="7313400" imgH="3860117" progId="Word.Document.12">
+                <p:oleObj name="Document" r:id="rId3" imgW="7313400" imgH="3860117" progId="Word.Document.12">
                   <p:embed/>
                   <p:pic>
                     <p:nvPicPr>
@@ -4681,7 +4589,7 @@
                       <p:nvPr/>
                     </p:nvPicPr>
                     <p:blipFill>
-                      <a:blip r:embed="rId5"/>
+                      <a:blip r:embed="rId4"/>
                       <a:stretch>
                         <a:fillRect/>
                       </a:stretch>
@@ -4748,7 +4656,7 @@
               <a:defRPr/>
             </a:pPr>
             <a:r>
-              <a:rPr lang="en-US" smtClean="0"/>
+              <a:rPr lang="en-US"/>
               <a:t>Murach's JavaScript and jQuery (3rd Ed.)</a:t>
             </a:r>
             <a:endParaRPr lang="en-US" dirty="0"/>
@@ -4774,39 +4682,38 @@
               <a:defRPr/>
             </a:pPr>
             <a:r>
-              <a:rPr lang="en-US" smtClean="0"/>
+              <a:rPr lang="en-US"/>
               <a:t>© 2017, Mike Murach &amp; Associates, Inc.</a:t>
             </a:r>
+          </a:p>
+        </p:txBody>
+      </p:sp>
+      <p:sp>
+        <p:nvSpPr>
+          <p:cNvPr id="10" name="Slide Number Placeholder 9"/>
+          <p:cNvSpPr>
+            <a:spLocks noGrp="1"/>
+          </p:cNvSpPr>
+          <p:nvPr>
+            <p:ph type="sldNum" sz="quarter" idx="12"/>
+          </p:nvPr>
+        </p:nvSpPr>
+        <p:spPr/>
+        <p:txBody>
+          <a:bodyPr/>
+          <a:lstStyle/>
+          <a:p>
+            <a:pPr>
+              <a:defRPr/>
+            </a:pPr>
             <a:endParaRPr lang="en-US"/>
           </a:p>
-        </p:txBody>
-      </p:sp>
-      <p:sp>
-        <p:nvSpPr>
-          <p:cNvPr id="10" name="Slide Number Placeholder 9"/>
-          <p:cNvSpPr>
-            <a:spLocks noGrp="1"/>
-          </p:cNvSpPr>
-          <p:nvPr>
-            <p:ph type="sldNum" sz="quarter" idx="12"/>
-          </p:nvPr>
-        </p:nvSpPr>
-        <p:spPr/>
-        <p:txBody>
-          <a:bodyPr/>
-          <a:lstStyle/>
-          <a:p>
-            <a:pPr>
-              <a:defRPr/>
-            </a:pPr>
-            <a:endParaRPr lang="en-US" smtClean="0"/>
-          </a:p>
           <a:p>
             <a:pPr algn="r">
               <a:defRPr/>
             </a:pPr>
             <a:r>
-              <a:rPr lang="en-US" sz="900" smtClean="0">
+              <a:rPr lang="en-US" sz="900">
                 <a:solidFill>
                   <a:schemeClr val="bg1"/>
                 </a:solidFill>
@@ -4845,13 +4752,6 @@
   <p:clrMapOvr>
     <a:masterClrMapping/>
   </p:clrMapOvr>
-  <p:timing>
-    <p:tnLst>
-      <p:par>
-        <p:cTn id="1" dur="indefinite" restart="never" nodeType="tmRoot"/>
-      </p:par>
-    </p:tnLst>
-  </p:timing>
 </p:sld>
 </file>
 
@@ -4894,12 +4794,12 @@
           <a:graphicData uri="http://schemas.openxmlformats.org/presentationml/2006/ole">
             <mc:AlternateContent xmlns:mc="http://schemas.openxmlformats.org/markup-compatibility/2006">
               <mc:Choice xmlns:v="urn:schemas-microsoft-com:vml" Requires="v">
-                <p:oleObj spid="_x0000_s19477" name="Document" r:id="rId4" imgW="7313400" imgH="4463834" progId="Word.Document.12">
+                <p:oleObj spid="_x0000_s19478" name="Document" r:id="rId3" imgW="7313400" imgH="4463834" progId="Word.Document.12">
                   <p:embed/>
                 </p:oleObj>
               </mc:Choice>
               <mc:Fallback>
-                <p:oleObj name="Document" r:id="rId4" imgW="7313400" imgH="4463834" progId="Word.Document.12">
+                <p:oleObj name="Document" r:id="rId3" imgW="7313400" imgH="4463834" progId="Word.Document.12">
                   <p:embed/>
                   <p:pic>
                     <p:nvPicPr>
@@ -4908,7 +4808,7 @@
                       <p:nvPr/>
                     </p:nvPicPr>
                     <p:blipFill>
-                      <a:blip r:embed="rId5"/>
+                      <a:blip r:embed="rId4"/>
                       <a:stretch>
                         <a:fillRect/>
                       </a:stretch>
@@ -4975,7 +4875,7 @@
               <a:defRPr/>
             </a:pPr>
             <a:r>
-              <a:rPr lang="en-US" smtClean="0"/>
+              <a:rPr lang="en-US"/>
               <a:t>Murach's JavaScript and jQuery (3rd Ed.)</a:t>
             </a:r>
             <a:endParaRPr lang="en-US" dirty="0"/>
@@ -5001,39 +4901,38 @@
               <a:defRPr/>
             </a:pPr>
             <a:r>
-              <a:rPr lang="en-US" smtClean="0"/>
+              <a:rPr lang="en-US"/>
               <a:t>© 2017, Mike Murach &amp; Associates, Inc.</a:t>
             </a:r>
+          </a:p>
+        </p:txBody>
+      </p:sp>
+      <p:sp>
+        <p:nvSpPr>
+          <p:cNvPr id="10" name="Slide Number Placeholder 9"/>
+          <p:cNvSpPr>
+            <a:spLocks noGrp="1"/>
+          </p:cNvSpPr>
+          <p:nvPr>
+            <p:ph type="sldNum" sz="quarter" idx="12"/>
+          </p:nvPr>
+        </p:nvSpPr>
+        <p:spPr/>
+        <p:txBody>
+          <a:bodyPr/>
+          <a:lstStyle/>
+          <a:p>
+            <a:pPr>
+              <a:defRPr/>
+            </a:pPr>
             <a:endParaRPr lang="en-US"/>
           </a:p>
-        </p:txBody>
-      </p:sp>
-      <p:sp>
-        <p:nvSpPr>
-          <p:cNvPr id="10" name="Slide Number Placeholder 9"/>
-          <p:cNvSpPr>
-            <a:spLocks noGrp="1"/>
-          </p:cNvSpPr>
-          <p:nvPr>
-            <p:ph type="sldNum" sz="quarter" idx="12"/>
-          </p:nvPr>
-        </p:nvSpPr>
-        <p:spPr/>
-        <p:txBody>
-          <a:bodyPr/>
-          <a:lstStyle/>
-          <a:p>
-            <a:pPr>
-              <a:defRPr/>
-            </a:pPr>
-            <a:endParaRPr lang="en-US" smtClean="0"/>
-          </a:p>
           <a:p>
             <a:pPr algn="r">
               <a:defRPr/>
             </a:pPr>
             <a:r>
-              <a:rPr lang="en-US" sz="900" smtClean="0">
+              <a:rPr lang="en-US" sz="900">
                 <a:solidFill>
                   <a:schemeClr val="bg1"/>
                 </a:solidFill>
@@ -5072,13 +4971,6 @@
   <p:clrMapOvr>
     <a:masterClrMapping/>
   </p:clrMapOvr>
-  <p:timing>
-    <p:tnLst>
-      <p:par>
-        <p:cTn id="1" dur="indefinite" restart="never" nodeType="tmRoot"/>
-      </p:par>
-    </p:tnLst>
-  </p:timing>
 </p:sld>
 </file>
 
@@ -5121,7 +5013,7 @@
           <a:graphicData uri="http://schemas.openxmlformats.org/presentationml/2006/ole">
             <mc:AlternateContent xmlns:mc="http://schemas.openxmlformats.org/markup-compatibility/2006">
               <mc:Choice xmlns:v="urn:schemas-microsoft-com:vml" Requires="v">
-                <p:oleObj spid="_x0000_s2065" name="Document" r:id="rId3" imgW="7301323" imgH="5025440" progId="Word.Document.12">
+                <p:oleObj spid="_x0000_s2066" name="Document" r:id="rId3" imgW="7301323" imgH="5025440" progId="Word.Document.12">
                   <p:embed/>
                 </p:oleObj>
               </mc:Choice>
@@ -5202,7 +5094,7 @@
               <a:defRPr/>
             </a:pPr>
             <a:r>
-              <a:rPr lang="en-US" smtClean="0"/>
+              <a:rPr lang="en-US"/>
               <a:t>Murach's JavaScript and jQuery (3rd Ed.)</a:t>
             </a:r>
             <a:endParaRPr lang="en-US" dirty="0"/>
@@ -5228,39 +5120,38 @@
               <a:defRPr/>
             </a:pPr>
             <a:r>
-              <a:rPr lang="en-US" smtClean="0"/>
+              <a:rPr lang="en-US"/>
               <a:t>© 2017, Mike Murach &amp; Associates, Inc.</a:t>
             </a:r>
+          </a:p>
+        </p:txBody>
+      </p:sp>
+      <p:sp>
+        <p:nvSpPr>
+          <p:cNvPr id="10" name="Slide Number Placeholder 9"/>
+          <p:cNvSpPr>
+            <a:spLocks noGrp="1"/>
+          </p:cNvSpPr>
+          <p:nvPr>
+            <p:ph type="sldNum" sz="quarter" idx="12"/>
+          </p:nvPr>
+        </p:nvSpPr>
+        <p:spPr/>
+        <p:txBody>
+          <a:bodyPr/>
+          <a:lstStyle/>
+          <a:p>
+            <a:pPr>
+              <a:defRPr/>
+            </a:pPr>
             <a:endParaRPr lang="en-US"/>
           </a:p>
-        </p:txBody>
-      </p:sp>
-      <p:sp>
-        <p:nvSpPr>
-          <p:cNvPr id="10" name="Slide Number Placeholder 9"/>
-          <p:cNvSpPr>
-            <a:spLocks noGrp="1"/>
-          </p:cNvSpPr>
-          <p:nvPr>
-            <p:ph type="sldNum" sz="quarter" idx="12"/>
-          </p:nvPr>
-        </p:nvSpPr>
-        <p:spPr/>
-        <p:txBody>
-          <a:bodyPr/>
-          <a:lstStyle/>
-          <a:p>
-            <a:pPr>
-              <a:defRPr/>
-            </a:pPr>
-            <a:endParaRPr lang="en-US" smtClean="0"/>
-          </a:p>
           <a:p>
             <a:pPr algn="r">
               <a:defRPr/>
             </a:pPr>
             <a:r>
-              <a:rPr lang="en-US" sz="900" smtClean="0">
+              <a:rPr lang="en-US" sz="900">
                 <a:solidFill>
                   <a:schemeClr val="bg1"/>
                 </a:solidFill>
@@ -5299,13 +5190,6 @@
   <p:clrMapOvr>
     <a:masterClrMapping/>
   </p:clrMapOvr>
-  <p:timing>
-    <p:tnLst>
-      <p:par>
-        <p:cTn id="1" dur="indefinite" restart="never" nodeType="tmRoot"/>
-      </p:par>
-    </p:tnLst>
-  </p:timing>
 </p:sld>
 </file>
 
@@ -5372,7 +5256,7 @@
               <a:defRPr/>
             </a:pPr>
             <a:r>
-              <a:rPr lang="en-US" smtClean="0"/>
+              <a:rPr lang="en-US"/>
               <a:t>Murach's JavaScript and jQuery (3rd Ed.)</a:t>
             </a:r>
             <a:endParaRPr lang="en-US" dirty="0"/>
@@ -5398,39 +5282,38 @@
               <a:defRPr/>
             </a:pPr>
             <a:r>
-              <a:rPr lang="en-US" smtClean="0"/>
+              <a:rPr lang="en-US"/>
               <a:t>© 2017, Mike Murach &amp; Associates, Inc.</a:t>
             </a:r>
+          </a:p>
+        </p:txBody>
+      </p:sp>
+      <p:sp>
+        <p:nvSpPr>
+          <p:cNvPr id="14" name="Slide Number Placeholder 13"/>
+          <p:cNvSpPr>
+            <a:spLocks noGrp="1"/>
+          </p:cNvSpPr>
+          <p:nvPr>
+            <p:ph type="sldNum" sz="quarter" idx="12"/>
+          </p:nvPr>
+        </p:nvSpPr>
+        <p:spPr/>
+        <p:txBody>
+          <a:bodyPr/>
+          <a:lstStyle/>
+          <a:p>
+            <a:pPr>
+              <a:defRPr/>
+            </a:pPr>
             <a:endParaRPr lang="en-US"/>
           </a:p>
-        </p:txBody>
-      </p:sp>
-      <p:sp>
-        <p:nvSpPr>
-          <p:cNvPr id="14" name="Slide Number Placeholder 13"/>
-          <p:cNvSpPr>
-            <a:spLocks noGrp="1"/>
-          </p:cNvSpPr>
-          <p:nvPr>
-            <p:ph type="sldNum" sz="quarter" idx="12"/>
-          </p:nvPr>
-        </p:nvSpPr>
-        <p:spPr/>
-        <p:txBody>
-          <a:bodyPr/>
-          <a:lstStyle/>
-          <a:p>
-            <a:pPr>
-              <a:defRPr/>
-            </a:pPr>
-            <a:endParaRPr lang="en-US" smtClean="0"/>
-          </a:p>
           <a:p>
             <a:pPr algn="r">
               <a:defRPr/>
             </a:pPr>
             <a:r>
-              <a:rPr lang="en-US" sz="900" smtClean="0">
+              <a:rPr lang="en-US" sz="900">
                 <a:solidFill>
                   <a:schemeClr val="bg1"/>
                 </a:solidFill>
@@ -5481,12 +5364,12 @@
           <a:graphicData uri="http://schemas.openxmlformats.org/presentationml/2006/ole">
             <mc:AlternateContent xmlns:mc="http://schemas.openxmlformats.org/markup-compatibility/2006">
               <mc:Choice xmlns:v="urn:schemas-microsoft-com:vml" Requires="v">
-                <p:oleObj spid="_x0000_s20517" name="Document" r:id="rId4" imgW="7313400" imgH="4412745" progId="Word.Document.12">
+                <p:oleObj spid="_x0000_s20518" name="Document" r:id="rId3" imgW="7313400" imgH="4412745" progId="Word.Document.12">
                   <p:embed/>
                 </p:oleObj>
               </mc:Choice>
               <mc:Fallback>
-                <p:oleObj name="Document" r:id="rId4" imgW="7313400" imgH="4412745" progId="Word.Document.12">
+                <p:oleObj name="Document" r:id="rId3" imgW="7313400" imgH="4412745" progId="Word.Document.12">
                   <p:embed/>
                   <p:pic>
                     <p:nvPicPr>
@@ -5495,7 +5378,7 @@
                       <p:nvPr/>
                     </p:nvPicPr>
                     <p:blipFill>
-                      <a:blip r:embed="rId5"/>
+                      <a:blip r:embed="rId4"/>
                       <a:stretch>
                         <a:fillRect/>
                       </a:stretch>
@@ -5526,13 +5409,6 @@
   <p:clrMapOvr>
     <a:masterClrMapping/>
   </p:clrMapOvr>
-  <p:timing>
-    <p:tnLst>
-      <p:par>
-        <p:cTn id="1" dur="indefinite" restart="never" nodeType="tmRoot"/>
-      </p:par>
-    </p:tnLst>
-  </p:timing>
 </p:sld>
 </file>
 
@@ -5599,7 +5475,7 @@
               <a:defRPr/>
             </a:pPr>
             <a:r>
-              <a:rPr lang="en-US" smtClean="0"/>
+              <a:rPr lang="en-US"/>
               <a:t>Murach's JavaScript and jQuery (3rd Ed.)</a:t>
             </a:r>
             <a:endParaRPr lang="en-US" dirty="0"/>
@@ -5625,39 +5501,38 @@
               <a:defRPr/>
             </a:pPr>
             <a:r>
-              <a:rPr lang="en-US" smtClean="0"/>
+              <a:rPr lang="en-US"/>
               <a:t>© 2017, Mike Murach &amp; Associates, Inc.</a:t>
             </a:r>
+          </a:p>
+        </p:txBody>
+      </p:sp>
+      <p:sp>
+        <p:nvSpPr>
+          <p:cNvPr id="10" name="Slide Number Placeholder 9"/>
+          <p:cNvSpPr>
+            <a:spLocks noGrp="1"/>
+          </p:cNvSpPr>
+          <p:nvPr>
+            <p:ph type="sldNum" sz="quarter" idx="12"/>
+          </p:nvPr>
+        </p:nvSpPr>
+        <p:spPr/>
+        <p:txBody>
+          <a:bodyPr/>
+          <a:lstStyle/>
+          <a:p>
+            <a:pPr>
+              <a:defRPr/>
+            </a:pPr>
             <a:endParaRPr lang="en-US"/>
           </a:p>
-        </p:txBody>
-      </p:sp>
-      <p:sp>
-        <p:nvSpPr>
-          <p:cNvPr id="10" name="Slide Number Placeholder 9"/>
-          <p:cNvSpPr>
-            <a:spLocks noGrp="1"/>
-          </p:cNvSpPr>
-          <p:nvPr>
-            <p:ph type="sldNum" sz="quarter" idx="12"/>
-          </p:nvPr>
-        </p:nvSpPr>
-        <p:spPr/>
-        <p:txBody>
-          <a:bodyPr/>
-          <a:lstStyle/>
-          <a:p>
-            <a:pPr>
-              <a:defRPr/>
-            </a:pPr>
-            <a:endParaRPr lang="en-US" smtClean="0"/>
-          </a:p>
           <a:p>
             <a:pPr algn="r">
               <a:defRPr/>
             </a:pPr>
             <a:r>
-              <a:rPr lang="en-US" sz="900" smtClean="0">
+              <a:rPr lang="en-US" sz="900">
                 <a:solidFill>
                   <a:schemeClr val="bg1"/>
                 </a:solidFill>
@@ -5708,12 +5583,12 @@
           <a:graphicData uri="http://schemas.openxmlformats.org/presentationml/2006/ole">
             <mc:AlternateContent xmlns:mc="http://schemas.openxmlformats.org/markup-compatibility/2006">
               <mc:Choice xmlns:v="urn:schemas-microsoft-com:vml" Requires="v">
-                <p:oleObj spid="_x0000_s21523" name="Document" r:id="rId4" imgW="7313400" imgH="3265036" progId="Word.Document.12">
+                <p:oleObj spid="_x0000_s21524" name="Document" r:id="rId3" imgW="7313400" imgH="3265036" progId="Word.Document.12">
                   <p:embed/>
                 </p:oleObj>
               </mc:Choice>
               <mc:Fallback>
-                <p:oleObj name="Document" r:id="rId4" imgW="7313400" imgH="3265036" progId="Word.Document.12">
+                <p:oleObj name="Document" r:id="rId3" imgW="7313400" imgH="3265036" progId="Word.Document.12">
                   <p:embed/>
                   <p:pic>
                     <p:nvPicPr>
@@ -5722,7 +5597,7 @@
                       <p:nvPr/>
                     </p:nvPicPr>
                     <p:blipFill>
-                      <a:blip r:embed="rId5"/>
+                      <a:blip r:embed="rId4"/>
                       <a:stretch>
                         <a:fillRect/>
                       </a:stretch>
@@ -5753,13 +5628,6 @@
   <p:clrMapOvr>
     <a:masterClrMapping/>
   </p:clrMapOvr>
-  <p:timing>
-    <p:tnLst>
-      <p:par>
-        <p:cTn id="1" dur="indefinite" restart="never" nodeType="tmRoot"/>
-      </p:par>
-    </p:tnLst>
-  </p:timing>
 </p:sld>
 </file>
 
@@ -5866,7 +5734,7 @@
               <a:defRPr/>
             </a:pPr>
             <a:r>
-              <a:rPr lang="en-US" smtClean="0"/>
+              <a:rPr lang="en-US"/>
               <a:t>Murach's JavaScript and jQuery (3rd Ed.)</a:t>
             </a:r>
             <a:endParaRPr lang="en-US" dirty="0"/>
@@ -5892,39 +5760,38 @@
               <a:defRPr/>
             </a:pPr>
             <a:r>
-              <a:rPr lang="en-US" smtClean="0"/>
+              <a:rPr lang="en-US"/>
               <a:t>© 2017, Mike Murach &amp; Associates, Inc.</a:t>
             </a:r>
+          </a:p>
+        </p:txBody>
+      </p:sp>
+      <p:sp>
+        <p:nvSpPr>
+          <p:cNvPr id="10" name="Slide Number Placeholder 9"/>
+          <p:cNvSpPr>
+            <a:spLocks noGrp="1"/>
+          </p:cNvSpPr>
+          <p:nvPr>
+            <p:ph type="sldNum" sz="quarter" idx="12"/>
+          </p:nvPr>
+        </p:nvSpPr>
+        <p:spPr/>
+        <p:txBody>
+          <a:bodyPr/>
+          <a:lstStyle/>
+          <a:p>
+            <a:pPr>
+              <a:defRPr/>
+            </a:pPr>
             <a:endParaRPr lang="en-US"/>
           </a:p>
-        </p:txBody>
-      </p:sp>
-      <p:sp>
-        <p:nvSpPr>
-          <p:cNvPr id="10" name="Slide Number Placeholder 9"/>
-          <p:cNvSpPr>
-            <a:spLocks noGrp="1"/>
-          </p:cNvSpPr>
-          <p:nvPr>
-            <p:ph type="sldNum" sz="quarter" idx="12"/>
-          </p:nvPr>
-        </p:nvSpPr>
-        <p:spPr/>
-        <p:txBody>
-          <a:bodyPr/>
-          <a:lstStyle/>
-          <a:p>
-            <a:pPr>
-              <a:defRPr/>
-            </a:pPr>
-            <a:endParaRPr lang="en-US" smtClean="0"/>
-          </a:p>
           <a:p>
             <a:pPr algn="r">
               <a:defRPr/>
             </a:pPr>
             <a:r>
-              <a:rPr lang="en-US" sz="900" smtClean="0">
+              <a:rPr lang="en-US" sz="900">
                 <a:solidFill>
                   <a:schemeClr val="bg1"/>
                 </a:solidFill>
@@ -5963,13 +5830,6 @@
   <p:clrMapOvr>
     <a:masterClrMapping/>
   </p:clrMapOvr>
-  <p:timing>
-    <p:tnLst>
-      <p:par>
-        <p:cTn id="1" dur="indefinite" restart="never" nodeType="tmRoot"/>
-      </p:par>
-    </p:tnLst>
-  </p:timing>
 </p:sld>
 </file>
 
@@ -6012,12 +5872,12 @@
           <a:graphicData uri="http://schemas.openxmlformats.org/presentationml/2006/ole">
             <mc:AlternateContent xmlns:mc="http://schemas.openxmlformats.org/markup-compatibility/2006">
               <mc:Choice xmlns:v="urn:schemas-microsoft-com:vml" Requires="v">
-                <p:oleObj spid="_x0000_s23571" name="Document" r:id="rId4" imgW="7313400" imgH="2077030" progId="Word.Document.12">
+                <p:oleObj spid="_x0000_s23572" name="Document" r:id="rId3" imgW="7313400" imgH="2077030" progId="Word.Document.12">
                   <p:embed/>
                 </p:oleObj>
               </mc:Choice>
               <mc:Fallback>
-                <p:oleObj name="Document" r:id="rId4" imgW="7313400" imgH="2077030" progId="Word.Document.12">
+                <p:oleObj name="Document" r:id="rId3" imgW="7313400" imgH="2077030" progId="Word.Document.12">
                   <p:embed/>
                   <p:pic>
                     <p:nvPicPr>
@@ -6026,7 +5886,7 @@
                       <p:nvPr/>
                     </p:nvPicPr>
                     <p:blipFill>
-                      <a:blip r:embed="rId5"/>
+                      <a:blip r:embed="rId4"/>
                       <a:stretch>
                         <a:fillRect/>
                       </a:stretch>
@@ -6093,7 +5953,7 @@
               <a:defRPr/>
             </a:pPr>
             <a:r>
-              <a:rPr lang="en-US" smtClean="0"/>
+              <a:rPr lang="en-US"/>
               <a:t>Murach's JavaScript and jQuery (3rd Ed.)</a:t>
             </a:r>
             <a:endParaRPr lang="en-US" dirty="0"/>
@@ -6119,39 +5979,38 @@
               <a:defRPr/>
             </a:pPr>
             <a:r>
-              <a:rPr lang="en-US" smtClean="0"/>
+              <a:rPr lang="en-US"/>
               <a:t>© 2017, Mike Murach &amp; Associates, Inc.</a:t>
             </a:r>
+          </a:p>
+        </p:txBody>
+      </p:sp>
+      <p:sp>
+        <p:nvSpPr>
+          <p:cNvPr id="10" name="Slide Number Placeholder 9"/>
+          <p:cNvSpPr>
+            <a:spLocks noGrp="1"/>
+          </p:cNvSpPr>
+          <p:nvPr>
+            <p:ph type="sldNum" sz="quarter" idx="12"/>
+          </p:nvPr>
+        </p:nvSpPr>
+        <p:spPr/>
+        <p:txBody>
+          <a:bodyPr/>
+          <a:lstStyle/>
+          <a:p>
+            <a:pPr>
+              <a:defRPr/>
+            </a:pPr>
             <a:endParaRPr lang="en-US"/>
           </a:p>
-        </p:txBody>
-      </p:sp>
-      <p:sp>
-        <p:nvSpPr>
-          <p:cNvPr id="10" name="Slide Number Placeholder 9"/>
-          <p:cNvSpPr>
-            <a:spLocks noGrp="1"/>
-          </p:cNvSpPr>
-          <p:nvPr>
-            <p:ph type="sldNum" sz="quarter" idx="12"/>
-          </p:nvPr>
-        </p:nvSpPr>
-        <p:spPr/>
-        <p:txBody>
-          <a:bodyPr/>
-          <a:lstStyle/>
-          <a:p>
-            <a:pPr>
-              <a:defRPr/>
-            </a:pPr>
-            <a:endParaRPr lang="en-US" smtClean="0"/>
-          </a:p>
           <a:p>
             <a:pPr algn="r">
               <a:defRPr/>
             </a:pPr>
             <a:r>
-              <a:rPr lang="en-US" sz="900" smtClean="0">
+              <a:rPr lang="en-US" sz="900">
                 <a:solidFill>
                   <a:schemeClr val="bg1"/>
                 </a:solidFill>
@@ -6190,13 +6049,6 @@
   <p:clrMapOvr>
     <a:masterClrMapping/>
   </p:clrMapOvr>
-  <p:timing>
-    <p:tnLst>
-      <p:par>
-        <p:cTn id="1" dur="indefinite" restart="never" nodeType="tmRoot"/>
-      </p:par>
-    </p:tnLst>
-  </p:timing>
 </p:sld>
 </file>
 
@@ -6239,12 +6091,12 @@
           <a:graphicData uri="http://schemas.openxmlformats.org/presentationml/2006/ole">
             <mc:AlternateContent xmlns:mc="http://schemas.openxmlformats.org/markup-compatibility/2006">
               <mc:Choice xmlns:v="urn:schemas-microsoft-com:vml" Requires="v">
-                <p:oleObj spid="_x0000_s24595" name="Document" r:id="rId4" imgW="7313400" imgH="1847129" progId="Word.Document.12">
+                <p:oleObj spid="_x0000_s24596" name="Document" r:id="rId3" imgW="7313400" imgH="1847129" progId="Word.Document.12">
                   <p:embed/>
                 </p:oleObj>
               </mc:Choice>
               <mc:Fallback>
-                <p:oleObj name="Document" r:id="rId4" imgW="7313400" imgH="1847129" progId="Word.Document.12">
+                <p:oleObj name="Document" r:id="rId3" imgW="7313400" imgH="1847129" progId="Word.Document.12">
                   <p:embed/>
                   <p:pic>
                     <p:nvPicPr>
@@ -6253,7 +6105,7 @@
                       <p:nvPr/>
                     </p:nvPicPr>
                     <p:blipFill>
-                      <a:blip r:embed="rId5"/>
+                      <a:blip r:embed="rId4"/>
                       <a:stretch>
                         <a:fillRect/>
                       </a:stretch>
@@ -6320,7 +6172,7 @@
               <a:defRPr/>
             </a:pPr>
             <a:r>
-              <a:rPr lang="en-US" smtClean="0"/>
+              <a:rPr lang="en-US"/>
               <a:t>Murach's JavaScript and jQuery (3rd Ed.)</a:t>
             </a:r>
             <a:endParaRPr lang="en-US" dirty="0"/>
@@ -6346,39 +6198,38 @@
               <a:defRPr/>
             </a:pPr>
             <a:r>
-              <a:rPr lang="en-US" smtClean="0"/>
+              <a:rPr lang="en-US"/>
               <a:t>© 2017, Mike Murach &amp; Associates, Inc.</a:t>
             </a:r>
+          </a:p>
+        </p:txBody>
+      </p:sp>
+      <p:sp>
+        <p:nvSpPr>
+          <p:cNvPr id="10" name="Slide Number Placeholder 9"/>
+          <p:cNvSpPr>
+            <a:spLocks noGrp="1"/>
+          </p:cNvSpPr>
+          <p:nvPr>
+            <p:ph type="sldNum" sz="quarter" idx="12"/>
+          </p:nvPr>
+        </p:nvSpPr>
+        <p:spPr/>
+        <p:txBody>
+          <a:bodyPr/>
+          <a:lstStyle/>
+          <a:p>
+            <a:pPr>
+              <a:defRPr/>
+            </a:pPr>
             <a:endParaRPr lang="en-US"/>
           </a:p>
-        </p:txBody>
-      </p:sp>
-      <p:sp>
-        <p:nvSpPr>
-          <p:cNvPr id="10" name="Slide Number Placeholder 9"/>
-          <p:cNvSpPr>
-            <a:spLocks noGrp="1"/>
-          </p:cNvSpPr>
-          <p:nvPr>
-            <p:ph type="sldNum" sz="quarter" idx="12"/>
-          </p:nvPr>
-        </p:nvSpPr>
-        <p:spPr/>
-        <p:txBody>
-          <a:bodyPr/>
-          <a:lstStyle/>
-          <a:p>
-            <a:pPr>
-              <a:defRPr/>
-            </a:pPr>
-            <a:endParaRPr lang="en-US" smtClean="0"/>
-          </a:p>
           <a:p>
             <a:pPr algn="r">
               <a:defRPr/>
             </a:pPr>
             <a:r>
-              <a:rPr lang="en-US" sz="900" smtClean="0">
+              <a:rPr lang="en-US" sz="900">
                 <a:solidFill>
                   <a:schemeClr val="bg1"/>
                 </a:solidFill>
@@ -6417,13 +6268,6 @@
   <p:clrMapOvr>
     <a:masterClrMapping/>
   </p:clrMapOvr>
-  <p:timing>
-    <p:tnLst>
-      <p:par>
-        <p:cTn id="1" dur="indefinite" restart="never" nodeType="tmRoot"/>
-      </p:par>
-    </p:tnLst>
-  </p:timing>
 </p:sld>
 </file>
 
@@ -6466,12 +6310,12 @@
           <a:graphicData uri="http://schemas.openxmlformats.org/presentationml/2006/ole">
             <mc:AlternateContent xmlns:mc="http://schemas.openxmlformats.org/markup-compatibility/2006">
               <mc:Choice xmlns:v="urn:schemas-microsoft-com:vml" Requires="v">
-                <p:oleObj spid="_x0000_s25619" name="Document" r:id="rId4" imgW="7313400" imgH="2767095" progId="Word.Document.12">
+                <p:oleObj spid="_x0000_s25620" name="Document" r:id="rId3" imgW="7313400" imgH="2767095" progId="Word.Document.12">
                   <p:embed/>
                 </p:oleObj>
               </mc:Choice>
               <mc:Fallback>
-                <p:oleObj name="Document" r:id="rId4" imgW="7313400" imgH="2767095" progId="Word.Document.12">
+                <p:oleObj name="Document" r:id="rId3" imgW="7313400" imgH="2767095" progId="Word.Document.12">
                   <p:embed/>
                   <p:pic>
                     <p:nvPicPr>
@@ -6480,7 +6324,7 @@
                       <p:nvPr/>
                     </p:nvPicPr>
                     <p:blipFill>
-                      <a:blip r:embed="rId5"/>
+                      <a:blip r:embed="rId4"/>
                       <a:stretch>
                         <a:fillRect/>
                       </a:stretch>
@@ -6554,7 +6398,7 @@
               <a:defRPr/>
             </a:pPr>
             <a:r>
-              <a:rPr lang="en-US" smtClean="0"/>
+              <a:rPr lang="en-US"/>
               <a:t>Murach's JavaScript and jQuery (3rd Ed.)</a:t>
             </a:r>
             <a:endParaRPr lang="en-US" dirty="0"/>
@@ -6580,39 +6424,38 @@
               <a:defRPr/>
             </a:pPr>
             <a:r>
-              <a:rPr lang="en-US" smtClean="0"/>
+              <a:rPr lang="en-US"/>
               <a:t>© 2017, Mike Murach &amp; Associates, Inc.</a:t>
             </a:r>
+          </a:p>
+        </p:txBody>
+      </p:sp>
+      <p:sp>
+        <p:nvSpPr>
+          <p:cNvPr id="10" name="Slide Number Placeholder 9"/>
+          <p:cNvSpPr>
+            <a:spLocks noGrp="1"/>
+          </p:cNvSpPr>
+          <p:nvPr>
+            <p:ph type="sldNum" sz="quarter" idx="12"/>
+          </p:nvPr>
+        </p:nvSpPr>
+        <p:spPr/>
+        <p:txBody>
+          <a:bodyPr/>
+          <a:lstStyle/>
+          <a:p>
+            <a:pPr>
+              <a:defRPr/>
+            </a:pPr>
             <a:endParaRPr lang="en-US"/>
           </a:p>
-        </p:txBody>
-      </p:sp>
-      <p:sp>
-        <p:nvSpPr>
-          <p:cNvPr id="10" name="Slide Number Placeholder 9"/>
-          <p:cNvSpPr>
-            <a:spLocks noGrp="1"/>
-          </p:cNvSpPr>
-          <p:nvPr>
-            <p:ph type="sldNum" sz="quarter" idx="12"/>
-          </p:nvPr>
-        </p:nvSpPr>
-        <p:spPr/>
-        <p:txBody>
-          <a:bodyPr/>
-          <a:lstStyle/>
-          <a:p>
-            <a:pPr>
-              <a:defRPr/>
-            </a:pPr>
-            <a:endParaRPr lang="en-US" smtClean="0"/>
-          </a:p>
           <a:p>
             <a:pPr algn="r">
               <a:defRPr/>
             </a:pPr>
             <a:r>
-              <a:rPr lang="en-US" sz="900" smtClean="0">
+              <a:rPr lang="en-US" sz="900">
                 <a:solidFill>
                   <a:schemeClr val="bg1"/>
                 </a:solidFill>
@@ -6651,13 +6494,6 @@
   <p:clrMapOvr>
     <a:masterClrMapping/>
   </p:clrMapOvr>
-  <p:timing>
-    <p:tnLst>
-      <p:par>
-        <p:cTn id="1" dur="indefinite" restart="never" nodeType="tmRoot"/>
-      </p:par>
-    </p:tnLst>
-  </p:timing>
 </p:sld>
 </file>
 
@@ -6724,7 +6560,7 @@
               <a:defRPr/>
             </a:pPr>
             <a:r>
-              <a:rPr lang="en-US" smtClean="0"/>
+              <a:rPr lang="en-US"/>
               <a:t>Murach's JavaScript and jQuery (3rd Ed.)</a:t>
             </a:r>
             <a:endParaRPr lang="en-US" dirty="0"/>
@@ -6750,39 +6586,38 @@
               <a:defRPr/>
             </a:pPr>
             <a:r>
-              <a:rPr lang="en-US" smtClean="0"/>
+              <a:rPr lang="en-US"/>
               <a:t>© 2017, Mike Murach &amp; Associates, Inc.</a:t>
             </a:r>
+          </a:p>
+        </p:txBody>
+      </p:sp>
+      <p:sp>
+        <p:nvSpPr>
+          <p:cNvPr id="10" name="Slide Number Placeholder 9"/>
+          <p:cNvSpPr>
+            <a:spLocks noGrp="1"/>
+          </p:cNvSpPr>
+          <p:nvPr>
+            <p:ph type="sldNum" sz="quarter" idx="12"/>
+          </p:nvPr>
+        </p:nvSpPr>
+        <p:spPr/>
+        <p:txBody>
+          <a:bodyPr/>
+          <a:lstStyle/>
+          <a:p>
+            <a:pPr>
+              <a:defRPr/>
+            </a:pPr>
             <a:endParaRPr lang="en-US"/>
           </a:p>
-        </p:txBody>
-      </p:sp>
-      <p:sp>
-        <p:nvSpPr>
-          <p:cNvPr id="10" name="Slide Number Placeholder 9"/>
-          <p:cNvSpPr>
-            <a:spLocks noGrp="1"/>
-          </p:cNvSpPr>
-          <p:nvPr>
-            <p:ph type="sldNum" sz="quarter" idx="12"/>
-          </p:nvPr>
-        </p:nvSpPr>
-        <p:spPr/>
-        <p:txBody>
-          <a:bodyPr/>
-          <a:lstStyle/>
-          <a:p>
-            <a:pPr>
-              <a:defRPr/>
-            </a:pPr>
-            <a:endParaRPr lang="en-US" smtClean="0"/>
-          </a:p>
           <a:p>
             <a:pPr algn="r">
               <a:defRPr/>
             </a:pPr>
             <a:r>
-              <a:rPr lang="en-US" sz="900" smtClean="0">
+              <a:rPr lang="en-US" sz="900">
                 <a:solidFill>
                   <a:schemeClr val="bg1"/>
                 </a:solidFill>
@@ -6820,25 +6655,25 @@
           <p:nvPr>
             <p:extLst>
               <p:ext uri="{D42A27DB-BD31-4B8C-83A1-F6EECF244321}">
-                <p14:modId xmlns:p14="http://schemas.microsoft.com/office/powerpoint/2010/main" val="1643039389"/>
+                <p14:modId xmlns:p14="http://schemas.microsoft.com/office/powerpoint/2010/main" val="1929810620"/>
               </p:ext>
             </p:extLst>
           </p:nvPr>
         </p:nvGraphicFramePr>
         <p:xfrm>
-          <a:off x="914400" y="1066800"/>
-          <a:ext cx="7313400" cy="4237890"/>
+          <a:off x="914400" y="1068388"/>
+          <a:ext cx="7253288" cy="4202112"/>
         </p:xfrm>
         <a:graphic>
           <a:graphicData uri="http://schemas.openxmlformats.org/presentationml/2006/ole">
             <mc:AlternateContent xmlns:mc="http://schemas.openxmlformats.org/markup-compatibility/2006">
               <mc:Choice xmlns:v="urn:schemas-microsoft-com:vml" Requires="v">
-                <p:oleObj spid="_x0000_s26643" name="Document" r:id="rId4" imgW="7313400" imgH="4237890" progId="Word.Document.12">
+                <p:oleObj spid="_x0000_s26644" name="Document" r:id="rId3" imgW="7301323" imgH="4246519" progId="Word.Document.12">
                   <p:embed/>
                 </p:oleObj>
               </mc:Choice>
               <mc:Fallback>
-                <p:oleObj name="Document" r:id="rId4" imgW="7313400" imgH="4237890" progId="Word.Document.12">
+                <p:oleObj name="Document" r:id="rId3" imgW="7301323" imgH="4246519" progId="Word.Document.12">
                   <p:embed/>
                   <p:pic>
                     <p:nvPicPr>
@@ -6847,15 +6682,15 @@
                       <p:nvPr/>
                     </p:nvPicPr>
                     <p:blipFill>
-                      <a:blip r:embed="rId5"/>
+                      <a:blip r:embed="rId4"/>
                       <a:stretch>
                         <a:fillRect/>
                       </a:stretch>
                     </p:blipFill>
                     <p:spPr>
                       <a:xfrm>
-                        <a:off x="914400" y="1066800"/>
-                        <a:ext cx="7313400" cy="4237890"/>
+                        <a:off x="914400" y="1068388"/>
+                        <a:ext cx="7253288" cy="4202112"/>
                       </a:xfrm>
                       <a:prstGeom prst="rect">
                         <a:avLst/>
@@ -6878,13 +6713,6 @@
   <p:clrMapOvr>
     <a:masterClrMapping/>
   </p:clrMapOvr>
-  <p:timing>
-    <p:tnLst>
-      <p:par>
-        <p:cTn id="1" dur="indefinite" restart="never" nodeType="tmRoot"/>
-      </p:par>
-    </p:tnLst>
-  </p:timing>
 </p:sld>
 </file>
 
@@ -6958,7 +6786,7 @@
               <a:defRPr/>
             </a:pPr>
             <a:r>
-              <a:rPr lang="en-US" smtClean="0"/>
+              <a:rPr lang="en-US"/>
               <a:t>Murach's JavaScript and jQuery (3rd Ed.)</a:t>
             </a:r>
             <a:endParaRPr lang="en-US" dirty="0"/>
@@ -6984,39 +6812,38 @@
               <a:defRPr/>
             </a:pPr>
             <a:r>
-              <a:rPr lang="en-US" smtClean="0"/>
+              <a:rPr lang="en-US"/>
               <a:t>© 2017, Mike Murach &amp; Associates, Inc.</a:t>
             </a:r>
+          </a:p>
+        </p:txBody>
+      </p:sp>
+      <p:sp>
+        <p:nvSpPr>
+          <p:cNvPr id="10" name="Slide Number Placeholder 9"/>
+          <p:cNvSpPr>
+            <a:spLocks noGrp="1"/>
+          </p:cNvSpPr>
+          <p:nvPr>
+            <p:ph type="sldNum" sz="quarter" idx="12"/>
+          </p:nvPr>
+        </p:nvSpPr>
+        <p:spPr/>
+        <p:txBody>
+          <a:bodyPr/>
+          <a:lstStyle/>
+          <a:p>
+            <a:pPr>
+              <a:defRPr/>
+            </a:pPr>
             <a:endParaRPr lang="en-US"/>
           </a:p>
-        </p:txBody>
-      </p:sp>
-      <p:sp>
-        <p:nvSpPr>
-          <p:cNvPr id="10" name="Slide Number Placeholder 9"/>
-          <p:cNvSpPr>
-            <a:spLocks noGrp="1"/>
-          </p:cNvSpPr>
-          <p:nvPr>
-            <p:ph type="sldNum" sz="quarter" idx="12"/>
-          </p:nvPr>
-        </p:nvSpPr>
-        <p:spPr/>
-        <p:txBody>
-          <a:bodyPr/>
-          <a:lstStyle/>
-          <a:p>
-            <a:pPr>
-              <a:defRPr/>
-            </a:pPr>
-            <a:endParaRPr lang="en-US" smtClean="0"/>
-          </a:p>
           <a:p>
             <a:pPr algn="r">
               <a:defRPr/>
             </a:pPr>
             <a:r>
-              <a:rPr lang="en-US" sz="900" smtClean="0">
+              <a:rPr lang="en-US" sz="900">
                 <a:solidFill>
                   <a:schemeClr val="bg1"/>
                 </a:solidFill>
@@ -7067,12 +6894,12 @@
           <a:graphicData uri="http://schemas.openxmlformats.org/presentationml/2006/ole">
             <mc:AlternateContent xmlns:mc="http://schemas.openxmlformats.org/markup-compatibility/2006">
               <mc:Choice xmlns:v="urn:schemas-microsoft-com:vml" Requires="v">
-                <p:oleObj spid="_x0000_s27667" name="Document" r:id="rId4" imgW="7313400" imgH="1307094" progId="Word.Document.12">
+                <p:oleObj spid="_x0000_s27668" name="Document" r:id="rId3" imgW="7313400" imgH="1307094" progId="Word.Document.12">
                   <p:embed/>
                 </p:oleObj>
               </mc:Choice>
               <mc:Fallback>
-                <p:oleObj name="Document" r:id="rId4" imgW="7313400" imgH="1307094" progId="Word.Document.12">
+                <p:oleObj name="Document" r:id="rId3" imgW="7313400" imgH="1307094" progId="Word.Document.12">
                   <p:embed/>
                   <p:pic>
                     <p:nvPicPr>
@@ -7081,7 +6908,7 @@
                       <p:nvPr/>
                     </p:nvPicPr>
                     <p:blipFill>
-                      <a:blip r:embed="rId5"/>
+                      <a:blip r:embed="rId4"/>
                       <a:stretch>
                         <a:fillRect/>
                       </a:stretch>
@@ -7112,13 +6939,6 @@
   <p:clrMapOvr>
     <a:masterClrMapping/>
   </p:clrMapOvr>
-  <p:timing>
-    <p:tnLst>
-      <p:par>
-        <p:cTn id="1" dur="indefinite" restart="never" nodeType="tmRoot"/>
-      </p:par>
-    </p:tnLst>
-  </p:timing>
 </p:sld>
 </file>
 
@@ -7192,7 +7012,7 @@
               <a:defRPr/>
             </a:pPr>
             <a:r>
-              <a:rPr lang="en-US" smtClean="0"/>
+              <a:rPr lang="en-US"/>
               <a:t>Murach's JavaScript and jQuery (3rd Ed.)</a:t>
             </a:r>
             <a:endParaRPr lang="en-US" dirty="0"/>
@@ -7218,39 +7038,38 @@
               <a:defRPr/>
             </a:pPr>
             <a:r>
-              <a:rPr lang="en-US" smtClean="0"/>
+              <a:rPr lang="en-US"/>
               <a:t>© 2017, Mike Murach &amp; Associates, Inc.</a:t>
             </a:r>
+          </a:p>
+        </p:txBody>
+      </p:sp>
+      <p:sp>
+        <p:nvSpPr>
+          <p:cNvPr id="10" name="Slide Number Placeholder 9"/>
+          <p:cNvSpPr>
+            <a:spLocks noGrp="1"/>
+          </p:cNvSpPr>
+          <p:nvPr>
+            <p:ph type="sldNum" sz="quarter" idx="12"/>
+          </p:nvPr>
+        </p:nvSpPr>
+        <p:spPr/>
+        <p:txBody>
+          <a:bodyPr/>
+          <a:lstStyle/>
+          <a:p>
+            <a:pPr>
+              <a:defRPr/>
+            </a:pPr>
             <a:endParaRPr lang="en-US"/>
           </a:p>
-        </p:txBody>
-      </p:sp>
-      <p:sp>
-        <p:nvSpPr>
-          <p:cNvPr id="10" name="Slide Number Placeholder 9"/>
-          <p:cNvSpPr>
-            <a:spLocks noGrp="1"/>
-          </p:cNvSpPr>
-          <p:nvPr>
-            <p:ph type="sldNum" sz="quarter" idx="12"/>
-          </p:nvPr>
-        </p:nvSpPr>
-        <p:spPr/>
-        <p:txBody>
-          <a:bodyPr/>
-          <a:lstStyle/>
-          <a:p>
-            <a:pPr>
-              <a:defRPr/>
-            </a:pPr>
-            <a:endParaRPr lang="en-US" smtClean="0"/>
-          </a:p>
           <a:p>
             <a:pPr algn="r">
               <a:defRPr/>
             </a:pPr>
             <a:r>
-              <a:rPr lang="en-US" sz="900" smtClean="0">
+              <a:rPr lang="en-US" sz="900">
                 <a:solidFill>
                   <a:schemeClr val="bg1"/>
                 </a:solidFill>
@@ -7301,12 +7120,12 @@
           <a:graphicData uri="http://schemas.openxmlformats.org/presentationml/2006/ole">
             <mc:AlternateContent xmlns:mc="http://schemas.openxmlformats.org/markup-compatibility/2006">
               <mc:Choice xmlns:v="urn:schemas-microsoft-com:vml" Requires="v">
-                <p:oleObj spid="_x0000_s28691" name="Document" r:id="rId4" imgW="7313400" imgH="4548024" progId="Word.Document.12">
+                <p:oleObj spid="_x0000_s28692" name="Document" r:id="rId3" imgW="7313400" imgH="4548024" progId="Word.Document.12">
                   <p:embed/>
                 </p:oleObj>
               </mc:Choice>
               <mc:Fallback>
-                <p:oleObj name="Document" r:id="rId4" imgW="7313400" imgH="4548024" progId="Word.Document.12">
+                <p:oleObj name="Document" r:id="rId3" imgW="7313400" imgH="4548024" progId="Word.Document.12">
                   <p:embed/>
                   <p:pic>
                     <p:nvPicPr>
@@ -7315,7 +7134,7 @@
                       <p:nvPr/>
                     </p:nvPicPr>
                     <p:blipFill>
-                      <a:blip r:embed="rId5"/>
+                      <a:blip r:embed="rId4"/>
                       <a:stretch>
                         <a:fillRect/>
                       </a:stretch>
@@ -7346,13 +7165,6 @@
   <p:clrMapOvr>
     <a:masterClrMapping/>
   </p:clrMapOvr>
-  <p:timing>
-    <p:tnLst>
-      <p:par>
-        <p:cTn id="1" dur="indefinite" restart="never" nodeType="tmRoot"/>
-      </p:par>
-    </p:tnLst>
-  </p:timing>
 </p:sld>
 </file>
 
@@ -7395,12 +7207,12 @@
           <a:graphicData uri="http://schemas.openxmlformats.org/presentationml/2006/ole">
             <mc:AlternateContent xmlns:mc="http://schemas.openxmlformats.org/markup-compatibility/2006">
               <mc:Choice xmlns:v="urn:schemas-microsoft-com:vml" Requires="v">
-                <p:oleObj spid="_x0000_s29716" name="Document" r:id="rId4" imgW="7313400" imgH="1616867" progId="Word.Document.12">
+                <p:oleObj spid="_x0000_s29717" name="Document" r:id="rId3" imgW="7313400" imgH="1616867" progId="Word.Document.12">
                   <p:embed/>
                 </p:oleObj>
               </mc:Choice>
               <mc:Fallback>
-                <p:oleObj name="Document" r:id="rId4" imgW="7313400" imgH="1616867" progId="Word.Document.12">
+                <p:oleObj name="Document" r:id="rId3" imgW="7313400" imgH="1616867" progId="Word.Document.12">
                   <p:embed/>
                   <p:pic>
                     <p:nvPicPr>
@@ -7409,7 +7221,7 @@
                       <p:nvPr/>
                     </p:nvPicPr>
                     <p:blipFill>
-                      <a:blip r:embed="rId5"/>
+                      <a:blip r:embed="rId4"/>
                       <a:stretch>
                         <a:fillRect/>
                       </a:stretch>
@@ -7483,7 +7295,7 @@
               <a:defRPr/>
             </a:pPr>
             <a:r>
-              <a:rPr lang="en-US" smtClean="0"/>
+              <a:rPr lang="en-US"/>
               <a:t>Murach's JavaScript and jQuery (3rd Ed.)</a:t>
             </a:r>
             <a:endParaRPr lang="en-US" dirty="0"/>
@@ -7509,39 +7321,38 @@
               <a:defRPr/>
             </a:pPr>
             <a:r>
-              <a:rPr lang="en-US" smtClean="0"/>
+              <a:rPr lang="en-US"/>
               <a:t>© 2017, Mike Murach &amp; Associates, Inc.</a:t>
             </a:r>
+          </a:p>
+        </p:txBody>
+      </p:sp>
+      <p:sp>
+        <p:nvSpPr>
+          <p:cNvPr id="10" name="Slide Number Placeholder 9"/>
+          <p:cNvSpPr>
+            <a:spLocks noGrp="1"/>
+          </p:cNvSpPr>
+          <p:nvPr>
+            <p:ph type="sldNum" sz="quarter" idx="12"/>
+          </p:nvPr>
+        </p:nvSpPr>
+        <p:spPr/>
+        <p:txBody>
+          <a:bodyPr/>
+          <a:lstStyle/>
+          <a:p>
+            <a:pPr>
+              <a:defRPr/>
+            </a:pPr>
             <a:endParaRPr lang="en-US"/>
           </a:p>
-        </p:txBody>
-      </p:sp>
-      <p:sp>
-        <p:nvSpPr>
-          <p:cNvPr id="10" name="Slide Number Placeholder 9"/>
-          <p:cNvSpPr>
-            <a:spLocks noGrp="1"/>
-          </p:cNvSpPr>
-          <p:nvPr>
-            <p:ph type="sldNum" sz="quarter" idx="12"/>
-          </p:nvPr>
-        </p:nvSpPr>
-        <p:spPr/>
-        <p:txBody>
-          <a:bodyPr/>
-          <a:lstStyle/>
-          <a:p>
-            <a:pPr>
-              <a:defRPr/>
-            </a:pPr>
-            <a:endParaRPr lang="en-US" smtClean="0"/>
-          </a:p>
           <a:p>
             <a:pPr algn="r">
               <a:defRPr/>
             </a:pPr>
             <a:r>
-              <a:rPr lang="en-US" sz="900" smtClean="0">
+              <a:rPr lang="en-US" sz="900">
                 <a:solidFill>
                   <a:schemeClr val="bg1"/>
                 </a:solidFill>
@@ -7580,13 +7391,6 @@
   <p:clrMapOvr>
     <a:masterClrMapping/>
   </p:clrMapOvr>
-  <p:timing>
-    <p:tnLst>
-      <p:par>
-        <p:cTn id="1" dur="indefinite" restart="never" nodeType="tmRoot"/>
-      </p:par>
-    </p:tnLst>
-  </p:timing>
 </p:sld>
 </file>
 
@@ -7629,12 +7433,12 @@
           <a:graphicData uri="http://schemas.openxmlformats.org/presentationml/2006/ole">
             <mc:AlternateContent xmlns:mc="http://schemas.openxmlformats.org/markup-compatibility/2006">
               <mc:Choice xmlns:v="urn:schemas-microsoft-com:vml" Requires="v">
-                <p:oleObj spid="_x0000_s3089" name="Document" r:id="rId4" imgW="7301323" imgH="3064521" progId="Word.Document.12">
+                <p:oleObj spid="_x0000_s3090" name="Document" r:id="rId3" imgW="7301323" imgH="3064521" progId="Word.Document.12">
                   <p:embed/>
                 </p:oleObj>
               </mc:Choice>
               <mc:Fallback>
-                <p:oleObj name="Document" r:id="rId4" imgW="7301323" imgH="3064521" progId="Word.Document.12">
+                <p:oleObj name="Document" r:id="rId3" imgW="7301323" imgH="3064521" progId="Word.Document.12">
                   <p:embed/>
                   <p:pic>
                     <p:nvPicPr>
@@ -7643,7 +7447,7 @@
                       <p:nvPr/>
                     </p:nvPicPr>
                     <p:blipFill>
-                      <a:blip r:embed="rId5"/>
+                      <a:blip r:embed="rId4"/>
                       <a:stretch>
                         <a:fillRect/>
                       </a:stretch>
@@ -7710,7 +7514,7 @@
               <a:defRPr/>
             </a:pPr>
             <a:r>
-              <a:rPr lang="en-US" smtClean="0"/>
+              <a:rPr lang="en-US"/>
               <a:t>Murach's JavaScript and jQuery (3rd Ed.)</a:t>
             </a:r>
             <a:endParaRPr lang="en-US" dirty="0"/>
@@ -7736,39 +7540,38 @@
               <a:defRPr/>
             </a:pPr>
             <a:r>
-              <a:rPr lang="en-US" smtClean="0"/>
+              <a:rPr lang="en-US"/>
               <a:t>© 2017, Mike Murach &amp; Associates, Inc.</a:t>
             </a:r>
+          </a:p>
+        </p:txBody>
+      </p:sp>
+      <p:sp>
+        <p:nvSpPr>
+          <p:cNvPr id="10" name="Slide Number Placeholder 9"/>
+          <p:cNvSpPr>
+            <a:spLocks noGrp="1"/>
+          </p:cNvSpPr>
+          <p:nvPr>
+            <p:ph type="sldNum" sz="quarter" idx="12"/>
+          </p:nvPr>
+        </p:nvSpPr>
+        <p:spPr/>
+        <p:txBody>
+          <a:bodyPr/>
+          <a:lstStyle/>
+          <a:p>
+            <a:pPr>
+              <a:defRPr/>
+            </a:pPr>
             <a:endParaRPr lang="en-US"/>
           </a:p>
-        </p:txBody>
-      </p:sp>
-      <p:sp>
-        <p:nvSpPr>
-          <p:cNvPr id="10" name="Slide Number Placeholder 9"/>
-          <p:cNvSpPr>
-            <a:spLocks noGrp="1"/>
-          </p:cNvSpPr>
-          <p:nvPr>
-            <p:ph type="sldNum" sz="quarter" idx="12"/>
-          </p:nvPr>
-        </p:nvSpPr>
-        <p:spPr/>
-        <p:txBody>
-          <a:bodyPr/>
-          <a:lstStyle/>
-          <a:p>
-            <a:pPr>
-              <a:defRPr/>
-            </a:pPr>
-            <a:endParaRPr lang="en-US" smtClean="0"/>
-          </a:p>
           <a:p>
             <a:pPr algn="r">
               <a:defRPr/>
             </a:pPr>
             <a:r>
-              <a:rPr lang="en-US" sz="900" smtClean="0">
+              <a:rPr lang="en-US" sz="900">
                 <a:solidFill>
                   <a:schemeClr val="bg1"/>
                 </a:solidFill>
@@ -7807,13 +7610,6 @@
   <p:clrMapOvr>
     <a:masterClrMapping/>
   </p:clrMapOvr>
-  <p:timing>
-    <p:tnLst>
-      <p:par>
-        <p:cTn id="1" dur="indefinite" restart="never" nodeType="tmRoot"/>
-      </p:par>
-    </p:tnLst>
-  </p:timing>
 </p:sld>
 </file>
 
@@ -7887,7 +7683,7 @@
               <a:defRPr/>
             </a:pPr>
             <a:r>
-              <a:rPr lang="en-US" smtClean="0"/>
+              <a:rPr lang="en-US"/>
               <a:t>Murach's JavaScript and jQuery (3rd Ed.)</a:t>
             </a:r>
             <a:endParaRPr lang="en-US" dirty="0"/>
@@ -7913,39 +7709,38 @@
               <a:defRPr/>
             </a:pPr>
             <a:r>
-              <a:rPr lang="en-US" smtClean="0"/>
+              <a:rPr lang="en-US"/>
               <a:t>© 2017, Mike Murach &amp; Associates, Inc.</a:t>
             </a:r>
+          </a:p>
+        </p:txBody>
+      </p:sp>
+      <p:sp>
+        <p:nvSpPr>
+          <p:cNvPr id="10" name="Slide Number Placeholder 9"/>
+          <p:cNvSpPr>
+            <a:spLocks noGrp="1"/>
+          </p:cNvSpPr>
+          <p:nvPr>
+            <p:ph type="sldNum" sz="quarter" idx="12"/>
+          </p:nvPr>
+        </p:nvSpPr>
+        <p:spPr/>
+        <p:txBody>
+          <a:bodyPr/>
+          <a:lstStyle/>
+          <a:p>
+            <a:pPr>
+              <a:defRPr/>
+            </a:pPr>
             <a:endParaRPr lang="en-US"/>
           </a:p>
-        </p:txBody>
-      </p:sp>
-      <p:sp>
-        <p:nvSpPr>
-          <p:cNvPr id="10" name="Slide Number Placeholder 9"/>
-          <p:cNvSpPr>
-            <a:spLocks noGrp="1"/>
-          </p:cNvSpPr>
-          <p:nvPr>
-            <p:ph type="sldNum" sz="quarter" idx="12"/>
-          </p:nvPr>
-        </p:nvSpPr>
-        <p:spPr/>
-        <p:txBody>
-          <a:bodyPr/>
-          <a:lstStyle/>
-          <a:p>
-            <a:pPr>
-              <a:defRPr/>
-            </a:pPr>
-            <a:endParaRPr lang="en-US" smtClean="0"/>
-          </a:p>
           <a:p>
             <a:pPr algn="r">
               <a:defRPr/>
             </a:pPr>
             <a:r>
-              <a:rPr lang="en-US" sz="900" smtClean="0">
+              <a:rPr lang="en-US" sz="900">
                 <a:solidFill>
                   <a:schemeClr val="bg1"/>
                 </a:solidFill>
@@ -7996,12 +7791,12 @@
           <a:graphicData uri="http://schemas.openxmlformats.org/presentationml/2006/ole">
             <mc:AlternateContent xmlns:mc="http://schemas.openxmlformats.org/markup-compatibility/2006">
               <mc:Choice xmlns:v="urn:schemas-microsoft-com:vml" Requires="v">
-                <p:oleObj spid="_x0000_s30739" name="Document" r:id="rId4" imgW="7313400" imgH="2137114" progId="Word.Document.12">
+                <p:oleObj spid="_x0000_s30740" name="Document" r:id="rId3" imgW="7313400" imgH="2137114" progId="Word.Document.12">
                   <p:embed/>
                 </p:oleObj>
               </mc:Choice>
               <mc:Fallback>
-                <p:oleObj name="Document" r:id="rId4" imgW="7313400" imgH="2137114" progId="Word.Document.12">
+                <p:oleObj name="Document" r:id="rId3" imgW="7313400" imgH="2137114" progId="Word.Document.12">
                   <p:embed/>
                   <p:pic>
                     <p:nvPicPr>
@@ -8010,7 +7805,7 @@
                       <p:nvPr/>
                     </p:nvPicPr>
                     <p:blipFill>
-                      <a:blip r:embed="rId5"/>
+                      <a:blip r:embed="rId4"/>
                       <a:stretch>
                         <a:fillRect/>
                       </a:stretch>
@@ -8041,13 +7836,6 @@
   <p:clrMapOvr>
     <a:masterClrMapping/>
   </p:clrMapOvr>
-  <p:timing>
-    <p:tnLst>
-      <p:par>
-        <p:cTn id="1" dur="indefinite" restart="never" nodeType="tmRoot"/>
-      </p:par>
-    </p:tnLst>
-  </p:timing>
 </p:sld>
 </file>
 
@@ -8090,12 +7878,12 @@
           <a:graphicData uri="http://schemas.openxmlformats.org/presentationml/2006/ole">
             <mc:AlternateContent xmlns:mc="http://schemas.openxmlformats.org/markup-compatibility/2006">
               <mc:Choice xmlns:v="urn:schemas-microsoft-com:vml" Requires="v">
-                <p:oleObj spid="_x0000_s31763" name="Document" r:id="rId4" imgW="7313400" imgH="1444531" progId="Word.Document.12">
+                <p:oleObj spid="_x0000_s31764" name="Document" r:id="rId3" imgW="7313400" imgH="1444531" progId="Word.Document.12">
                   <p:embed/>
                 </p:oleObj>
               </mc:Choice>
               <mc:Fallback>
-                <p:oleObj name="Document" r:id="rId4" imgW="7313400" imgH="1444531" progId="Word.Document.12">
+                <p:oleObj name="Document" r:id="rId3" imgW="7313400" imgH="1444531" progId="Word.Document.12">
                   <p:embed/>
                   <p:pic>
                     <p:nvPicPr>
@@ -8104,7 +7892,7 @@
                       <p:nvPr/>
                     </p:nvPicPr>
                     <p:blipFill>
-                      <a:blip r:embed="rId5"/>
+                      <a:blip r:embed="rId4"/>
                       <a:stretch>
                         <a:fillRect/>
                       </a:stretch>
@@ -8171,7 +7959,7 @@
               <a:defRPr/>
             </a:pPr>
             <a:r>
-              <a:rPr lang="en-US" smtClean="0"/>
+              <a:rPr lang="en-US"/>
               <a:t>Murach's JavaScript and jQuery (3rd Ed.)</a:t>
             </a:r>
             <a:endParaRPr lang="en-US" dirty="0"/>
@@ -8197,39 +7985,38 @@
               <a:defRPr/>
             </a:pPr>
             <a:r>
-              <a:rPr lang="en-US" smtClean="0"/>
+              <a:rPr lang="en-US"/>
               <a:t>© 2017, Mike Murach &amp; Associates, Inc.</a:t>
             </a:r>
+          </a:p>
+        </p:txBody>
+      </p:sp>
+      <p:sp>
+        <p:nvSpPr>
+          <p:cNvPr id="10" name="Slide Number Placeholder 9"/>
+          <p:cNvSpPr>
+            <a:spLocks noGrp="1"/>
+          </p:cNvSpPr>
+          <p:nvPr>
+            <p:ph type="sldNum" sz="quarter" idx="12"/>
+          </p:nvPr>
+        </p:nvSpPr>
+        <p:spPr/>
+        <p:txBody>
+          <a:bodyPr/>
+          <a:lstStyle/>
+          <a:p>
+            <a:pPr>
+              <a:defRPr/>
+            </a:pPr>
             <a:endParaRPr lang="en-US"/>
           </a:p>
-        </p:txBody>
-      </p:sp>
-      <p:sp>
-        <p:nvSpPr>
-          <p:cNvPr id="10" name="Slide Number Placeholder 9"/>
-          <p:cNvSpPr>
-            <a:spLocks noGrp="1"/>
-          </p:cNvSpPr>
-          <p:nvPr>
-            <p:ph type="sldNum" sz="quarter" idx="12"/>
-          </p:nvPr>
-        </p:nvSpPr>
-        <p:spPr/>
-        <p:txBody>
-          <a:bodyPr/>
-          <a:lstStyle/>
-          <a:p>
-            <a:pPr>
-              <a:defRPr/>
-            </a:pPr>
-            <a:endParaRPr lang="en-US" smtClean="0"/>
-          </a:p>
           <a:p>
             <a:pPr algn="r">
               <a:defRPr/>
             </a:pPr>
             <a:r>
-              <a:rPr lang="en-US" sz="900" smtClean="0">
+              <a:rPr lang="en-US" sz="900">
                 <a:solidFill>
                   <a:schemeClr val="bg1"/>
                 </a:solidFill>
@@ -8268,13 +8055,6 @@
   <p:clrMapOvr>
     <a:masterClrMapping/>
   </p:clrMapOvr>
-  <p:timing>
-    <p:tnLst>
-      <p:par>
-        <p:cTn id="1" dur="indefinite" restart="never" nodeType="tmRoot"/>
-      </p:par>
-    </p:tnLst>
-  </p:timing>
 </p:sld>
 </file>
 
@@ -8317,12 +8097,12 @@
           <a:graphicData uri="http://schemas.openxmlformats.org/presentationml/2006/ole">
             <mc:AlternateContent xmlns:mc="http://schemas.openxmlformats.org/markup-compatibility/2006">
               <mc:Choice xmlns:v="urn:schemas-microsoft-com:vml" Requires="v">
-                <p:oleObj spid="_x0000_s32787" name="Document" r:id="rId4" imgW="7313400" imgH="2307292" progId="Word.Document.12">
+                <p:oleObj spid="_x0000_s32788" name="Document" r:id="rId3" imgW="7313400" imgH="2307292" progId="Word.Document.12">
                   <p:embed/>
                 </p:oleObj>
               </mc:Choice>
               <mc:Fallback>
-                <p:oleObj name="Document" r:id="rId4" imgW="7313400" imgH="2307292" progId="Word.Document.12">
+                <p:oleObj name="Document" r:id="rId3" imgW="7313400" imgH="2307292" progId="Word.Document.12">
                   <p:embed/>
                   <p:pic>
                     <p:nvPicPr>
@@ -8331,7 +8111,7 @@
                       <p:nvPr/>
                     </p:nvPicPr>
                     <p:blipFill>
-                      <a:blip r:embed="rId5"/>
+                      <a:blip r:embed="rId4"/>
                       <a:stretch>
                         <a:fillRect/>
                       </a:stretch>
@@ -8406,7 +8186,7 @@
               <a:defRPr/>
             </a:pPr>
             <a:r>
-              <a:rPr lang="en-US" smtClean="0"/>
+              <a:rPr lang="en-US"/>
               <a:t>Murach's JavaScript and jQuery (3rd Ed.)</a:t>
             </a:r>
             <a:endParaRPr lang="en-US" dirty="0"/>
@@ -8432,39 +8212,38 @@
               <a:defRPr/>
             </a:pPr>
             <a:r>
-              <a:rPr lang="en-US" smtClean="0"/>
+              <a:rPr lang="en-US"/>
               <a:t>© 2017, Mike Murach &amp; Associates, Inc.</a:t>
             </a:r>
+          </a:p>
+        </p:txBody>
+      </p:sp>
+      <p:sp>
+        <p:nvSpPr>
+          <p:cNvPr id="10" name="Slide Number Placeholder 9"/>
+          <p:cNvSpPr>
+            <a:spLocks noGrp="1"/>
+          </p:cNvSpPr>
+          <p:nvPr>
+            <p:ph type="sldNum" sz="quarter" idx="12"/>
+          </p:nvPr>
+        </p:nvSpPr>
+        <p:spPr/>
+        <p:txBody>
+          <a:bodyPr/>
+          <a:lstStyle/>
+          <a:p>
+            <a:pPr>
+              <a:defRPr/>
+            </a:pPr>
             <a:endParaRPr lang="en-US"/>
           </a:p>
-        </p:txBody>
-      </p:sp>
-      <p:sp>
-        <p:nvSpPr>
-          <p:cNvPr id="10" name="Slide Number Placeholder 9"/>
-          <p:cNvSpPr>
-            <a:spLocks noGrp="1"/>
-          </p:cNvSpPr>
-          <p:nvPr>
-            <p:ph type="sldNum" sz="quarter" idx="12"/>
-          </p:nvPr>
-        </p:nvSpPr>
-        <p:spPr/>
-        <p:txBody>
-          <a:bodyPr/>
-          <a:lstStyle/>
-          <a:p>
-            <a:pPr>
-              <a:defRPr/>
-            </a:pPr>
-            <a:endParaRPr lang="en-US" smtClean="0"/>
-          </a:p>
           <a:p>
             <a:pPr algn="r">
               <a:defRPr/>
             </a:pPr>
             <a:r>
-              <a:rPr lang="en-US" sz="900" smtClean="0">
+              <a:rPr lang="en-US" sz="900">
                 <a:solidFill>
                   <a:schemeClr val="bg1"/>
                 </a:solidFill>
@@ -8503,13 +8282,6 @@
   <p:clrMapOvr>
     <a:masterClrMapping/>
   </p:clrMapOvr>
-  <p:timing>
-    <p:tnLst>
-      <p:par>
-        <p:cTn id="1" dur="indefinite" restart="never" nodeType="tmRoot"/>
-      </p:par>
-    </p:tnLst>
-  </p:timing>
 </p:sld>
 </file>
 
@@ -8552,12 +8324,12 @@
           <a:graphicData uri="http://schemas.openxmlformats.org/presentationml/2006/ole">
             <mc:AlternateContent xmlns:mc="http://schemas.openxmlformats.org/markup-compatibility/2006">
               <mc:Choice xmlns:v="urn:schemas-microsoft-com:vml" Requires="v">
-                <p:oleObj spid="_x0000_s33811" name="Document" r:id="rId4" imgW="7313400" imgH="2537193" progId="Word.Document.12">
+                <p:oleObj spid="_x0000_s33812" name="Document" r:id="rId3" imgW="7313400" imgH="2537193" progId="Word.Document.12">
                   <p:embed/>
                 </p:oleObj>
               </mc:Choice>
               <mc:Fallback>
-                <p:oleObj name="Document" r:id="rId4" imgW="7313400" imgH="2537193" progId="Word.Document.12">
+                <p:oleObj name="Document" r:id="rId3" imgW="7313400" imgH="2537193" progId="Word.Document.12">
                   <p:embed/>
                   <p:pic>
                     <p:nvPicPr>
@@ -8566,7 +8338,7 @@
                       <p:nvPr/>
                     </p:nvPicPr>
                     <p:blipFill>
-                      <a:blip r:embed="rId5"/>
+                      <a:blip r:embed="rId4"/>
                       <a:stretch>
                         <a:fillRect/>
                       </a:stretch>
@@ -8641,7 +8413,7 @@
               <a:defRPr/>
             </a:pPr>
             <a:r>
-              <a:rPr lang="en-US" smtClean="0"/>
+              <a:rPr lang="en-US"/>
               <a:t>Murach's JavaScript and jQuery (3rd Ed.)</a:t>
             </a:r>
             <a:endParaRPr lang="en-US" dirty="0"/>
@@ -8667,39 +8439,38 @@
               <a:defRPr/>
             </a:pPr>
             <a:r>
-              <a:rPr lang="en-US" smtClean="0"/>
+              <a:rPr lang="en-US"/>
               <a:t>© 2017, Mike Murach &amp; Associates, Inc.</a:t>
             </a:r>
+          </a:p>
+        </p:txBody>
+      </p:sp>
+      <p:sp>
+        <p:nvSpPr>
+          <p:cNvPr id="10" name="Slide Number Placeholder 9"/>
+          <p:cNvSpPr>
+            <a:spLocks noGrp="1"/>
+          </p:cNvSpPr>
+          <p:nvPr>
+            <p:ph type="sldNum" sz="quarter" idx="12"/>
+          </p:nvPr>
+        </p:nvSpPr>
+        <p:spPr/>
+        <p:txBody>
+          <a:bodyPr/>
+          <a:lstStyle/>
+          <a:p>
+            <a:pPr>
+              <a:defRPr/>
+            </a:pPr>
             <a:endParaRPr lang="en-US"/>
           </a:p>
-        </p:txBody>
-      </p:sp>
-      <p:sp>
-        <p:nvSpPr>
-          <p:cNvPr id="10" name="Slide Number Placeholder 9"/>
-          <p:cNvSpPr>
-            <a:spLocks noGrp="1"/>
-          </p:cNvSpPr>
-          <p:nvPr>
-            <p:ph type="sldNum" sz="quarter" idx="12"/>
-          </p:nvPr>
-        </p:nvSpPr>
-        <p:spPr/>
-        <p:txBody>
-          <a:bodyPr/>
-          <a:lstStyle/>
-          <a:p>
-            <a:pPr>
-              <a:defRPr/>
-            </a:pPr>
-            <a:endParaRPr lang="en-US" smtClean="0"/>
-          </a:p>
           <a:p>
             <a:pPr algn="r">
               <a:defRPr/>
             </a:pPr>
             <a:r>
-              <a:rPr lang="en-US" sz="900" smtClean="0">
+              <a:rPr lang="en-US" sz="900">
                 <a:solidFill>
                   <a:schemeClr val="bg1"/>
                 </a:solidFill>
@@ -8738,13 +8509,6 @@
   <p:clrMapOvr>
     <a:masterClrMapping/>
   </p:clrMapOvr>
-  <p:timing>
-    <p:tnLst>
-      <p:par>
-        <p:cTn id="1" dur="indefinite" restart="never" nodeType="tmRoot"/>
-      </p:par>
-    </p:tnLst>
-  </p:timing>
 </p:sld>
 </file>
 
@@ -8811,7 +8575,7 @@
               <a:defRPr/>
             </a:pPr>
             <a:r>
-              <a:rPr lang="en-US" smtClean="0"/>
+              <a:rPr lang="en-US"/>
               <a:t>Murach's JavaScript and jQuery (3rd Ed.)</a:t>
             </a:r>
             <a:endParaRPr lang="en-US" dirty="0"/>
@@ -8837,39 +8601,38 @@
               <a:defRPr/>
             </a:pPr>
             <a:r>
-              <a:rPr lang="en-US" smtClean="0"/>
+              <a:rPr lang="en-US"/>
               <a:t>© 2017, Mike Murach &amp; Associates, Inc.</a:t>
             </a:r>
+          </a:p>
+        </p:txBody>
+      </p:sp>
+      <p:sp>
+        <p:nvSpPr>
+          <p:cNvPr id="12" name="Slide Number Placeholder 11"/>
+          <p:cNvSpPr>
+            <a:spLocks noGrp="1"/>
+          </p:cNvSpPr>
+          <p:nvPr>
+            <p:ph type="sldNum" sz="quarter" idx="12"/>
+          </p:nvPr>
+        </p:nvSpPr>
+        <p:spPr/>
+        <p:txBody>
+          <a:bodyPr/>
+          <a:lstStyle/>
+          <a:p>
+            <a:pPr>
+              <a:defRPr/>
+            </a:pPr>
             <a:endParaRPr lang="en-US"/>
           </a:p>
-        </p:txBody>
-      </p:sp>
-      <p:sp>
-        <p:nvSpPr>
-          <p:cNvPr id="12" name="Slide Number Placeholder 11"/>
-          <p:cNvSpPr>
-            <a:spLocks noGrp="1"/>
-          </p:cNvSpPr>
-          <p:nvPr>
-            <p:ph type="sldNum" sz="quarter" idx="12"/>
-          </p:nvPr>
-        </p:nvSpPr>
-        <p:spPr/>
-        <p:txBody>
-          <a:bodyPr/>
-          <a:lstStyle/>
-          <a:p>
-            <a:pPr>
-              <a:defRPr/>
-            </a:pPr>
-            <a:endParaRPr lang="en-US" smtClean="0"/>
-          </a:p>
           <a:p>
             <a:pPr algn="r">
               <a:defRPr/>
             </a:pPr>
             <a:r>
-              <a:rPr lang="en-US" sz="900" smtClean="0">
+              <a:rPr lang="en-US" sz="900">
                 <a:solidFill>
                   <a:schemeClr val="bg1"/>
                 </a:solidFill>
@@ -8920,12 +8683,12 @@
           <a:graphicData uri="http://schemas.openxmlformats.org/presentationml/2006/ole">
             <mc:AlternateContent xmlns:mc="http://schemas.openxmlformats.org/markup-compatibility/2006">
               <mc:Choice xmlns:v="urn:schemas-microsoft-com:vml" Requires="v">
-                <p:oleObj spid="_x0000_s34847" name="Document" r:id="rId4" imgW="7313400" imgH="2683985" progId="Word.Document.12">
+                <p:oleObj spid="_x0000_s34848" name="Document" r:id="rId3" imgW="7313400" imgH="2683985" progId="Word.Document.12">
                   <p:embed/>
                 </p:oleObj>
               </mc:Choice>
               <mc:Fallback>
-                <p:oleObj name="Document" r:id="rId4" imgW="7313400" imgH="2683985" progId="Word.Document.12">
+                <p:oleObj name="Document" r:id="rId3" imgW="7313400" imgH="2683985" progId="Word.Document.12">
                   <p:embed/>
                   <p:pic>
                     <p:nvPicPr>
@@ -8934,7 +8697,7 @@
                       <p:nvPr/>
                     </p:nvPicPr>
                     <p:blipFill>
-                      <a:blip r:embed="rId5"/>
+                      <a:blip r:embed="rId4"/>
                       <a:stretch>
                         <a:fillRect/>
                       </a:stretch>
@@ -8965,13 +8728,6 @@
   <p:clrMapOvr>
     <a:masterClrMapping/>
   </p:clrMapOvr>
-  <p:timing>
-    <p:tnLst>
-      <p:par>
-        <p:cTn id="1" dur="indefinite" restart="never" nodeType="tmRoot"/>
-      </p:par>
-    </p:tnLst>
-  </p:timing>
 </p:sld>
 </file>
 
@@ -9014,12 +8770,12 @@
           <a:graphicData uri="http://schemas.openxmlformats.org/presentationml/2006/ole">
             <mc:AlternateContent xmlns:mc="http://schemas.openxmlformats.org/markup-compatibility/2006">
               <mc:Choice xmlns:v="urn:schemas-microsoft-com:vml" Requires="v">
-                <p:oleObj spid="_x0000_s35858" name="Document" r:id="rId4" imgW="7313400" imgH="2537193" progId="Word.Document.12">
+                <p:oleObj spid="_x0000_s35859" name="Document" r:id="rId3" imgW="7313400" imgH="2537193" progId="Word.Document.12">
                   <p:embed/>
                 </p:oleObj>
               </mc:Choice>
               <mc:Fallback>
-                <p:oleObj name="Document" r:id="rId4" imgW="7313400" imgH="2537193" progId="Word.Document.12">
+                <p:oleObj name="Document" r:id="rId3" imgW="7313400" imgH="2537193" progId="Word.Document.12">
                   <p:embed/>
                   <p:pic>
                     <p:nvPicPr>
@@ -9028,7 +8784,7 @@
                       <p:nvPr/>
                     </p:nvPicPr>
                     <p:blipFill>
-                      <a:blip r:embed="rId5"/>
+                      <a:blip r:embed="rId4"/>
                       <a:stretch>
                         <a:fillRect/>
                       </a:stretch>
@@ -9095,7 +8851,7 @@
               <a:defRPr/>
             </a:pPr>
             <a:r>
-              <a:rPr lang="en-US" smtClean="0"/>
+              <a:rPr lang="en-US"/>
               <a:t>Murach's JavaScript and jQuery (3rd Ed.)</a:t>
             </a:r>
             <a:endParaRPr lang="en-US" dirty="0"/>
@@ -9121,39 +8877,38 @@
               <a:defRPr/>
             </a:pPr>
             <a:r>
-              <a:rPr lang="en-US" smtClean="0"/>
+              <a:rPr lang="en-US"/>
               <a:t>© 2017, Mike Murach &amp; Associates, Inc.</a:t>
             </a:r>
+          </a:p>
+        </p:txBody>
+      </p:sp>
+      <p:sp>
+        <p:nvSpPr>
+          <p:cNvPr id="10" name="Slide Number Placeholder 9"/>
+          <p:cNvSpPr>
+            <a:spLocks noGrp="1"/>
+          </p:cNvSpPr>
+          <p:nvPr>
+            <p:ph type="sldNum" sz="quarter" idx="12"/>
+          </p:nvPr>
+        </p:nvSpPr>
+        <p:spPr/>
+        <p:txBody>
+          <a:bodyPr/>
+          <a:lstStyle/>
+          <a:p>
+            <a:pPr>
+              <a:defRPr/>
+            </a:pPr>
             <a:endParaRPr lang="en-US"/>
           </a:p>
-        </p:txBody>
-      </p:sp>
-      <p:sp>
-        <p:nvSpPr>
-          <p:cNvPr id="10" name="Slide Number Placeholder 9"/>
-          <p:cNvSpPr>
-            <a:spLocks noGrp="1"/>
-          </p:cNvSpPr>
-          <p:nvPr>
-            <p:ph type="sldNum" sz="quarter" idx="12"/>
-          </p:nvPr>
-        </p:nvSpPr>
-        <p:spPr/>
-        <p:txBody>
-          <a:bodyPr/>
-          <a:lstStyle/>
-          <a:p>
-            <a:pPr>
-              <a:defRPr/>
-            </a:pPr>
-            <a:endParaRPr lang="en-US" smtClean="0"/>
-          </a:p>
           <a:p>
             <a:pPr algn="r">
               <a:defRPr/>
             </a:pPr>
             <a:r>
-              <a:rPr lang="en-US" sz="900" smtClean="0">
+              <a:rPr lang="en-US" sz="900">
                 <a:solidFill>
                   <a:schemeClr val="bg1"/>
                 </a:solidFill>
@@ -9192,13 +8947,6 @@
   <p:clrMapOvr>
     <a:masterClrMapping/>
   </p:clrMapOvr>
-  <p:timing>
-    <p:tnLst>
-      <p:par>
-        <p:cTn id="1" dur="indefinite" restart="never" nodeType="tmRoot"/>
-      </p:par>
-    </p:tnLst>
-  </p:timing>
 </p:sld>
 </file>
 
@@ -9241,12 +8989,12 @@
           <a:graphicData uri="http://schemas.openxmlformats.org/presentationml/2006/ole">
             <mc:AlternateContent xmlns:mc="http://schemas.openxmlformats.org/markup-compatibility/2006">
               <mc:Choice xmlns:v="urn:schemas-microsoft-com:vml" Requires="v">
-                <p:oleObj spid="_x0000_s36882" name="Document" r:id="rId4" imgW="7313400" imgH="1386966" progId="Word.Document.12">
+                <p:oleObj spid="_x0000_s36883" name="Document" r:id="rId3" imgW="7313400" imgH="1386966" progId="Word.Document.12">
                   <p:embed/>
                 </p:oleObj>
               </mc:Choice>
               <mc:Fallback>
-                <p:oleObj name="Document" r:id="rId4" imgW="7313400" imgH="1386966" progId="Word.Document.12">
+                <p:oleObj name="Document" r:id="rId3" imgW="7313400" imgH="1386966" progId="Word.Document.12">
                   <p:embed/>
                   <p:pic>
                     <p:nvPicPr>
@@ -9255,7 +9003,7 @@
                       <p:nvPr/>
                     </p:nvPicPr>
                     <p:blipFill>
-                      <a:blip r:embed="rId5"/>
+                      <a:blip r:embed="rId4"/>
                       <a:stretch>
                         <a:fillRect/>
                       </a:stretch>
@@ -9337,7 +9085,7 @@
               <a:defRPr/>
             </a:pPr>
             <a:r>
-              <a:rPr lang="en-US" smtClean="0"/>
+              <a:rPr lang="en-US"/>
               <a:t>Murach's JavaScript and jQuery (3rd Ed.)</a:t>
             </a:r>
             <a:endParaRPr lang="en-US" dirty="0"/>
@@ -9363,39 +9111,38 @@
               <a:defRPr/>
             </a:pPr>
             <a:r>
-              <a:rPr lang="en-US" smtClean="0"/>
+              <a:rPr lang="en-US"/>
               <a:t>© 2017, Mike Murach &amp; Associates, Inc.</a:t>
             </a:r>
+          </a:p>
+        </p:txBody>
+      </p:sp>
+      <p:sp>
+        <p:nvSpPr>
+          <p:cNvPr id="10" name="Slide Number Placeholder 9"/>
+          <p:cNvSpPr>
+            <a:spLocks noGrp="1"/>
+          </p:cNvSpPr>
+          <p:nvPr>
+            <p:ph type="sldNum" sz="quarter" idx="12"/>
+          </p:nvPr>
+        </p:nvSpPr>
+        <p:spPr/>
+        <p:txBody>
+          <a:bodyPr/>
+          <a:lstStyle/>
+          <a:p>
+            <a:pPr>
+              <a:defRPr/>
+            </a:pPr>
             <a:endParaRPr lang="en-US"/>
           </a:p>
-        </p:txBody>
-      </p:sp>
-      <p:sp>
-        <p:nvSpPr>
-          <p:cNvPr id="10" name="Slide Number Placeholder 9"/>
-          <p:cNvSpPr>
-            <a:spLocks noGrp="1"/>
-          </p:cNvSpPr>
-          <p:nvPr>
-            <p:ph type="sldNum" sz="quarter" idx="12"/>
-          </p:nvPr>
-        </p:nvSpPr>
-        <p:spPr/>
-        <p:txBody>
-          <a:bodyPr/>
-          <a:lstStyle/>
-          <a:p>
-            <a:pPr>
-              <a:defRPr/>
-            </a:pPr>
-            <a:endParaRPr lang="en-US" smtClean="0"/>
-          </a:p>
           <a:p>
             <a:pPr algn="r">
               <a:defRPr/>
             </a:pPr>
             <a:r>
-              <a:rPr lang="en-US" sz="900" smtClean="0">
+              <a:rPr lang="en-US" sz="900">
                 <a:solidFill>
                   <a:schemeClr val="bg1"/>
                 </a:solidFill>
@@ -9434,13 +9181,6 @@
   <p:clrMapOvr>
     <a:masterClrMapping/>
   </p:clrMapOvr>
-  <p:timing>
-    <p:tnLst>
-      <p:par>
-        <p:cTn id="1" dur="indefinite" restart="never" nodeType="tmRoot"/>
-      </p:par>
-    </p:tnLst>
-  </p:timing>
 </p:sld>
 </file>
 
@@ -9507,7 +9247,7 @@
               <a:defRPr/>
             </a:pPr>
             <a:r>
-              <a:rPr lang="en-US" smtClean="0"/>
+              <a:rPr lang="en-US"/>
               <a:t>Murach's JavaScript and jQuery (3rd Ed.)</a:t>
             </a:r>
             <a:endParaRPr lang="en-US" dirty="0"/>
@@ -9533,39 +9273,38 @@
               <a:defRPr/>
             </a:pPr>
             <a:r>
-              <a:rPr lang="en-US" smtClean="0"/>
+              <a:rPr lang="en-US"/>
               <a:t>© 2017, Mike Murach &amp; Associates, Inc.</a:t>
             </a:r>
+          </a:p>
+        </p:txBody>
+      </p:sp>
+      <p:sp>
+        <p:nvSpPr>
+          <p:cNvPr id="10" name="Slide Number Placeholder 9"/>
+          <p:cNvSpPr>
+            <a:spLocks noGrp="1"/>
+          </p:cNvSpPr>
+          <p:nvPr>
+            <p:ph type="sldNum" sz="quarter" idx="12"/>
+          </p:nvPr>
+        </p:nvSpPr>
+        <p:spPr/>
+        <p:txBody>
+          <a:bodyPr/>
+          <a:lstStyle/>
+          <a:p>
+            <a:pPr>
+              <a:defRPr/>
+            </a:pPr>
             <a:endParaRPr lang="en-US"/>
           </a:p>
-        </p:txBody>
-      </p:sp>
-      <p:sp>
-        <p:nvSpPr>
-          <p:cNvPr id="10" name="Slide Number Placeholder 9"/>
-          <p:cNvSpPr>
-            <a:spLocks noGrp="1"/>
-          </p:cNvSpPr>
-          <p:nvPr>
-            <p:ph type="sldNum" sz="quarter" idx="12"/>
-          </p:nvPr>
-        </p:nvSpPr>
-        <p:spPr/>
-        <p:txBody>
-          <a:bodyPr/>
-          <a:lstStyle/>
-          <a:p>
-            <a:pPr>
-              <a:defRPr/>
-            </a:pPr>
-            <a:endParaRPr lang="en-US" smtClean="0"/>
-          </a:p>
           <a:p>
             <a:pPr algn="r">
               <a:defRPr/>
             </a:pPr>
             <a:r>
-              <a:rPr lang="en-US" sz="900" smtClean="0">
+              <a:rPr lang="en-US" sz="900">
                 <a:solidFill>
                   <a:schemeClr val="bg1"/>
                 </a:solidFill>
@@ -9616,12 +9355,12 @@
           <a:graphicData uri="http://schemas.openxmlformats.org/presentationml/2006/ole">
             <mc:AlternateContent xmlns:mc="http://schemas.openxmlformats.org/markup-compatibility/2006">
               <mc:Choice xmlns:v="urn:schemas-microsoft-com:vml" Requires="v">
-                <p:oleObj spid="_x0000_s37906" name="Document" r:id="rId4" imgW="7313400" imgH="4104411" progId="Word.Document.12">
+                <p:oleObj spid="_x0000_s37907" name="Document" r:id="rId3" imgW="7313400" imgH="4104411" progId="Word.Document.12">
                   <p:embed/>
                 </p:oleObj>
               </mc:Choice>
               <mc:Fallback>
-                <p:oleObj name="Document" r:id="rId4" imgW="7313400" imgH="4104411" progId="Word.Document.12">
+                <p:oleObj name="Document" r:id="rId3" imgW="7313400" imgH="4104411" progId="Word.Document.12">
                   <p:embed/>
                   <p:pic>
                     <p:nvPicPr>
@@ -9630,7 +9369,7 @@
                       <p:nvPr/>
                     </p:nvPicPr>
                     <p:blipFill>
-                      <a:blip r:embed="rId5"/>
+                      <a:blip r:embed="rId4"/>
                       <a:stretch>
                         <a:fillRect/>
                       </a:stretch>
@@ -9661,13 +9400,6 @@
   <p:clrMapOvr>
     <a:masterClrMapping/>
   </p:clrMapOvr>
-  <p:timing>
-    <p:tnLst>
-      <p:par>
-        <p:cTn id="1" dur="indefinite" restart="never" nodeType="tmRoot"/>
-      </p:par>
-    </p:tnLst>
-  </p:timing>
 </p:sld>
 </file>
 
@@ -9710,12 +9442,12 @@
           <a:graphicData uri="http://schemas.openxmlformats.org/presentationml/2006/ole">
             <mc:AlternateContent xmlns:mc="http://schemas.openxmlformats.org/markup-compatibility/2006">
               <mc:Choice xmlns:v="urn:schemas-microsoft-com:vml" Requires="v">
-                <p:oleObj spid="_x0000_s38930" name="Document" r:id="rId4" imgW="7301323" imgH="1159772" progId="Word.Document.12">
+                <p:oleObj spid="_x0000_s38931" name="Document" r:id="rId3" imgW="7301323" imgH="1159772" progId="Word.Document.12">
                   <p:embed/>
                 </p:oleObj>
               </mc:Choice>
               <mc:Fallback>
-                <p:oleObj name="Document" r:id="rId4" imgW="7301323" imgH="1159772" progId="Word.Document.12">
+                <p:oleObj name="Document" r:id="rId3" imgW="7301323" imgH="1159772" progId="Word.Document.12">
                   <p:embed/>
                   <p:pic>
                     <p:nvPicPr>
@@ -9724,7 +9456,7 @@
                       <p:nvPr/>
                     </p:nvPicPr>
                     <p:blipFill>
-                      <a:blip r:embed="rId5"/>
+                      <a:blip r:embed="rId4"/>
                       <a:stretch>
                         <a:fillRect/>
                       </a:stretch>
@@ -9761,41 +9493,40 @@
           <a:lstStyle/>
           <a:p>
             <a:r>
-              <a:rPr lang="en-US" dirty="0" smtClean="0"/>
+              <a:rPr lang="en-US" dirty="0"/>
               <a:t>Terms</a:t>
             </a:r>
+          </a:p>
+        </p:txBody>
+      </p:sp>
+      <p:sp>
+        <p:nvSpPr>
+          <p:cNvPr id="8" name="Date Placeholder 7"/>
+          <p:cNvSpPr>
+            <a:spLocks noGrp="1"/>
+          </p:cNvSpPr>
+          <p:nvPr>
+            <p:ph type="dt" sz="half" idx="10"/>
+          </p:nvPr>
+        </p:nvSpPr>
+        <p:spPr/>
+        <p:txBody>
+          <a:bodyPr/>
+          <a:lstStyle/>
+          <a:p>
+            <a:pPr>
+              <a:defRPr/>
+            </a:pPr>
+            <a:r>
+              <a:rPr lang="en-US"/>
+              <a:t>Murach's JavaScript and jQuery (3rd Ed.)</a:t>
+            </a:r>
             <a:endParaRPr lang="en-US" dirty="0"/>
           </a:p>
         </p:txBody>
       </p:sp>
       <p:sp>
         <p:nvSpPr>
-          <p:cNvPr id="8" name="Date Placeholder 7"/>
-          <p:cNvSpPr>
-            <a:spLocks noGrp="1"/>
-          </p:cNvSpPr>
-          <p:nvPr>
-            <p:ph type="dt" sz="half" idx="10"/>
-          </p:nvPr>
-        </p:nvSpPr>
-        <p:spPr/>
-        <p:txBody>
-          <a:bodyPr/>
-          <a:lstStyle/>
-          <a:p>
-            <a:pPr>
-              <a:defRPr/>
-            </a:pPr>
-            <a:r>
-              <a:rPr lang="en-US" smtClean="0"/>
-              <a:t>Murach's JavaScript and jQuery (3rd Ed.)</a:t>
-            </a:r>
-            <a:endParaRPr lang="en-US" dirty="0"/>
-          </a:p>
-        </p:txBody>
-      </p:sp>
-      <p:sp>
-        <p:nvSpPr>
           <p:cNvPr id="9" name="Footer Placeholder 8"/>
           <p:cNvSpPr>
             <a:spLocks noGrp="1"/>
@@ -9813,39 +9544,38 @@
               <a:defRPr/>
             </a:pPr>
             <a:r>
-              <a:rPr lang="en-US" smtClean="0"/>
+              <a:rPr lang="en-US"/>
               <a:t>© 2017, Mike Murach &amp; Associates, Inc.</a:t>
             </a:r>
+          </a:p>
+        </p:txBody>
+      </p:sp>
+      <p:sp>
+        <p:nvSpPr>
+          <p:cNvPr id="10" name="Slide Number Placeholder 9"/>
+          <p:cNvSpPr>
+            <a:spLocks noGrp="1"/>
+          </p:cNvSpPr>
+          <p:nvPr>
+            <p:ph type="sldNum" sz="quarter" idx="12"/>
+          </p:nvPr>
+        </p:nvSpPr>
+        <p:spPr/>
+        <p:txBody>
+          <a:bodyPr/>
+          <a:lstStyle/>
+          <a:p>
+            <a:pPr>
+              <a:defRPr/>
+            </a:pPr>
             <a:endParaRPr lang="en-US"/>
           </a:p>
-        </p:txBody>
-      </p:sp>
-      <p:sp>
-        <p:nvSpPr>
-          <p:cNvPr id="10" name="Slide Number Placeholder 9"/>
-          <p:cNvSpPr>
-            <a:spLocks noGrp="1"/>
-          </p:cNvSpPr>
-          <p:nvPr>
-            <p:ph type="sldNum" sz="quarter" idx="12"/>
-          </p:nvPr>
-        </p:nvSpPr>
-        <p:spPr/>
-        <p:txBody>
-          <a:bodyPr/>
-          <a:lstStyle/>
-          <a:p>
-            <a:pPr>
-              <a:defRPr/>
-            </a:pPr>
-            <a:endParaRPr lang="en-US" smtClean="0"/>
-          </a:p>
           <a:p>
             <a:pPr algn="r">
               <a:defRPr/>
             </a:pPr>
             <a:r>
-              <a:rPr lang="en-US" sz="900" smtClean="0">
+              <a:rPr lang="en-US" sz="900">
                 <a:solidFill>
                   <a:schemeClr val="bg1"/>
                 </a:solidFill>
@@ -9884,13 +9614,6 @@
   <p:clrMapOvr>
     <a:masterClrMapping/>
   </p:clrMapOvr>
-  <p:timing>
-    <p:tnLst>
-      <p:par>
-        <p:cTn id="1" dur="indefinite" restart="never" nodeType="tmRoot"/>
-      </p:par>
-    </p:tnLst>
-  </p:timing>
 </p:sld>
 </file>
 
@@ -9957,7 +9680,7 @@
               <a:defRPr/>
             </a:pPr>
             <a:r>
-              <a:rPr lang="en-US" smtClean="0"/>
+              <a:rPr lang="en-US"/>
               <a:t>Murach's JavaScript and jQuery (3rd Ed.)</a:t>
             </a:r>
             <a:endParaRPr lang="en-US" dirty="0"/>
@@ -9983,39 +9706,38 @@
               <a:defRPr/>
             </a:pPr>
             <a:r>
-              <a:rPr lang="en-US" smtClean="0"/>
+              <a:rPr lang="en-US"/>
               <a:t>© 2017, Mike Murach &amp; Associates, Inc.</a:t>
             </a:r>
+          </a:p>
+        </p:txBody>
+      </p:sp>
+      <p:sp>
+        <p:nvSpPr>
+          <p:cNvPr id="10" name="Slide Number Placeholder 9"/>
+          <p:cNvSpPr>
+            <a:spLocks noGrp="1"/>
+          </p:cNvSpPr>
+          <p:nvPr>
+            <p:ph type="sldNum" sz="quarter" idx="12"/>
+          </p:nvPr>
+        </p:nvSpPr>
+        <p:spPr/>
+        <p:txBody>
+          <a:bodyPr/>
+          <a:lstStyle/>
+          <a:p>
+            <a:pPr>
+              <a:defRPr/>
+            </a:pPr>
             <a:endParaRPr lang="en-US"/>
           </a:p>
-        </p:txBody>
-      </p:sp>
-      <p:sp>
-        <p:nvSpPr>
-          <p:cNvPr id="10" name="Slide Number Placeholder 9"/>
-          <p:cNvSpPr>
-            <a:spLocks noGrp="1"/>
-          </p:cNvSpPr>
-          <p:nvPr>
-            <p:ph type="sldNum" sz="quarter" idx="12"/>
-          </p:nvPr>
-        </p:nvSpPr>
-        <p:spPr/>
-        <p:txBody>
-          <a:bodyPr/>
-          <a:lstStyle/>
-          <a:p>
-            <a:pPr>
-              <a:defRPr/>
-            </a:pPr>
-            <a:endParaRPr lang="en-US" smtClean="0"/>
-          </a:p>
           <a:p>
             <a:pPr algn="r">
               <a:defRPr/>
             </a:pPr>
             <a:r>
-              <a:rPr lang="en-US" sz="900" smtClean="0">
+              <a:rPr lang="en-US" sz="900">
                 <a:solidFill>
                   <a:schemeClr val="bg1"/>
                 </a:solidFill>
@@ -10089,13 +9811,6 @@
   <p:clrMapOvr>
     <a:masterClrMapping/>
   </p:clrMapOvr>
-  <p:timing>
-    <p:tnLst>
-      <p:par>
-        <p:cTn id="1" dur="indefinite" restart="never" nodeType="tmRoot"/>
-      </p:par>
-    </p:tnLst>
-  </p:timing>
 </p:sld>
 </file>
 
@@ -10177,7 +9892,7 @@
               <a:defRPr/>
             </a:pPr>
             <a:r>
-              <a:rPr lang="en-US" smtClean="0"/>
+              <a:rPr lang="en-US"/>
               <a:t>Murach's JavaScript and jQuery (3rd Ed.)</a:t>
             </a:r>
             <a:endParaRPr lang="en-US" dirty="0"/>
@@ -10203,39 +9918,38 @@
               <a:defRPr/>
             </a:pPr>
             <a:r>
-              <a:rPr lang="en-US" smtClean="0"/>
+              <a:rPr lang="en-US"/>
               <a:t>© 2017, Mike Murach &amp; Associates, Inc.</a:t>
             </a:r>
+          </a:p>
+        </p:txBody>
+      </p:sp>
+      <p:sp>
+        <p:nvSpPr>
+          <p:cNvPr id="12" name="Slide Number Placeholder 11"/>
+          <p:cNvSpPr>
+            <a:spLocks noGrp="1"/>
+          </p:cNvSpPr>
+          <p:nvPr>
+            <p:ph type="sldNum" sz="quarter" idx="12"/>
+          </p:nvPr>
+        </p:nvSpPr>
+        <p:spPr/>
+        <p:txBody>
+          <a:bodyPr/>
+          <a:lstStyle/>
+          <a:p>
+            <a:pPr>
+              <a:defRPr/>
+            </a:pPr>
             <a:endParaRPr lang="en-US"/>
           </a:p>
-        </p:txBody>
-      </p:sp>
-      <p:sp>
-        <p:nvSpPr>
-          <p:cNvPr id="12" name="Slide Number Placeholder 11"/>
-          <p:cNvSpPr>
-            <a:spLocks noGrp="1"/>
-          </p:cNvSpPr>
-          <p:nvPr>
-            <p:ph type="sldNum" sz="quarter" idx="12"/>
-          </p:nvPr>
-        </p:nvSpPr>
-        <p:spPr/>
-        <p:txBody>
-          <a:bodyPr/>
-          <a:lstStyle/>
-          <a:p>
-            <a:pPr>
-              <a:defRPr/>
-            </a:pPr>
-            <a:endParaRPr lang="en-US" smtClean="0"/>
-          </a:p>
           <a:p>
             <a:pPr algn="r">
               <a:defRPr/>
             </a:pPr>
             <a:r>
-              <a:rPr lang="en-US" sz="900" smtClean="0">
+              <a:rPr lang="en-US" sz="900">
                 <a:solidFill>
                   <a:schemeClr val="bg1"/>
                 </a:solidFill>
@@ -10286,12 +10000,12 @@
           <a:graphicData uri="http://schemas.openxmlformats.org/presentationml/2006/ole">
             <mc:AlternateContent xmlns:mc="http://schemas.openxmlformats.org/markup-compatibility/2006">
               <mc:Choice xmlns:v="urn:schemas-microsoft-com:vml" Requires="v">
-                <p:oleObj spid="_x0000_s4123" name="Document" r:id="rId4" imgW="7313400" imgH="1076832" progId="Word.Document.12">
+                <p:oleObj spid="_x0000_s4124" name="Document" r:id="rId3" imgW="7313400" imgH="1076832" progId="Word.Document.12">
                   <p:embed/>
                 </p:oleObj>
               </mc:Choice>
               <mc:Fallback>
-                <p:oleObj name="Document" r:id="rId4" imgW="7313400" imgH="1076832" progId="Word.Document.12">
+                <p:oleObj name="Document" r:id="rId3" imgW="7313400" imgH="1076832" progId="Word.Document.12">
                   <p:embed/>
                   <p:pic>
                     <p:nvPicPr>
@@ -10300,7 +10014,7 @@
                       <p:nvPr/>
                     </p:nvPicPr>
                     <p:blipFill>
-                      <a:blip r:embed="rId5"/>
+                      <a:blip r:embed="rId4"/>
                       <a:stretch>
                         <a:fillRect/>
                       </a:stretch>
@@ -10331,13 +10045,6 @@
   <p:clrMapOvr>
     <a:masterClrMapping/>
   </p:clrMapOvr>
-  <p:timing>
-    <p:tnLst>
-      <p:par>
-        <p:cTn id="1" dur="indefinite" restart="never" nodeType="tmRoot"/>
-      </p:par>
-    </p:tnLst>
-  </p:timing>
 </p:sld>
 </file>
 
@@ -10380,12 +10087,12 @@
           <a:graphicData uri="http://schemas.openxmlformats.org/presentationml/2006/ole">
             <mc:AlternateContent xmlns:mc="http://schemas.openxmlformats.org/markup-compatibility/2006">
               <mc:Choice xmlns:v="urn:schemas-microsoft-com:vml" Requires="v">
-                <p:oleObj spid="_x0000_s40978" name="Document" r:id="rId4" imgW="7313400" imgH="4665313" progId="Word.Document.12">
+                <p:oleObj spid="_x0000_s40979" name="Document" r:id="rId3" imgW="7313400" imgH="4665313" progId="Word.Document.12">
                   <p:embed/>
                 </p:oleObj>
               </mc:Choice>
               <mc:Fallback>
-                <p:oleObj name="Document" r:id="rId4" imgW="7313400" imgH="4665313" progId="Word.Document.12">
+                <p:oleObj name="Document" r:id="rId3" imgW="7313400" imgH="4665313" progId="Word.Document.12">
                   <p:embed/>
                   <p:pic>
                     <p:nvPicPr>
@@ -10394,7 +10101,7 @@
                       <p:nvPr/>
                     </p:nvPicPr>
                     <p:blipFill>
-                      <a:blip r:embed="rId5"/>
+                      <a:blip r:embed="rId4"/>
                       <a:stretch>
                         <a:fillRect/>
                       </a:stretch>
@@ -10461,7 +10168,7 @@
               <a:defRPr/>
             </a:pPr>
             <a:r>
-              <a:rPr lang="en-US" smtClean="0"/>
+              <a:rPr lang="en-US"/>
               <a:t>Murach's JavaScript and jQuery (3rd Ed.)</a:t>
             </a:r>
             <a:endParaRPr lang="en-US" dirty="0"/>
@@ -10487,39 +10194,38 @@
               <a:defRPr/>
             </a:pPr>
             <a:r>
-              <a:rPr lang="en-US" smtClean="0"/>
+              <a:rPr lang="en-US"/>
               <a:t>© 2017, Mike Murach &amp; Associates, Inc.</a:t>
             </a:r>
+          </a:p>
+        </p:txBody>
+      </p:sp>
+      <p:sp>
+        <p:nvSpPr>
+          <p:cNvPr id="10" name="Slide Number Placeholder 9"/>
+          <p:cNvSpPr>
+            <a:spLocks noGrp="1"/>
+          </p:cNvSpPr>
+          <p:nvPr>
+            <p:ph type="sldNum" sz="quarter" idx="12"/>
+          </p:nvPr>
+        </p:nvSpPr>
+        <p:spPr/>
+        <p:txBody>
+          <a:bodyPr/>
+          <a:lstStyle/>
+          <a:p>
+            <a:pPr>
+              <a:defRPr/>
+            </a:pPr>
             <a:endParaRPr lang="en-US"/>
           </a:p>
-        </p:txBody>
-      </p:sp>
-      <p:sp>
-        <p:nvSpPr>
-          <p:cNvPr id="10" name="Slide Number Placeholder 9"/>
-          <p:cNvSpPr>
-            <a:spLocks noGrp="1"/>
-          </p:cNvSpPr>
-          <p:nvPr>
-            <p:ph type="sldNum" sz="quarter" idx="12"/>
-          </p:nvPr>
-        </p:nvSpPr>
-        <p:spPr/>
-        <p:txBody>
-          <a:bodyPr/>
-          <a:lstStyle/>
-          <a:p>
-            <a:pPr>
-              <a:defRPr/>
-            </a:pPr>
-            <a:endParaRPr lang="en-US" smtClean="0"/>
-          </a:p>
           <a:p>
             <a:pPr algn="r">
               <a:defRPr/>
             </a:pPr>
             <a:r>
-              <a:rPr lang="en-US" sz="900" smtClean="0">
+              <a:rPr lang="en-US" sz="900">
                 <a:solidFill>
                   <a:schemeClr val="bg1"/>
                 </a:solidFill>
@@ -10558,13 +10264,6 @@
   <p:clrMapOvr>
     <a:masterClrMapping/>
   </p:clrMapOvr>
-  <p:timing>
-    <p:tnLst>
-      <p:par>
-        <p:cTn id="1" dur="indefinite" restart="never" nodeType="tmRoot"/>
-      </p:par>
-    </p:tnLst>
-  </p:timing>
 </p:sld>
 </file>
 
@@ -10607,12 +10306,12 @@
           <a:graphicData uri="http://schemas.openxmlformats.org/presentationml/2006/ole">
             <mc:AlternateContent xmlns:mc="http://schemas.openxmlformats.org/markup-compatibility/2006">
               <mc:Choice xmlns:v="urn:schemas-microsoft-com:vml" Requires="v">
-                <p:oleObj spid="_x0000_s42002" name="Document" r:id="rId4" imgW="7313400" imgH="3687421" progId="Word.Document.12">
+                <p:oleObj spid="_x0000_s42003" name="Document" r:id="rId3" imgW="7313400" imgH="3687421" progId="Word.Document.12">
                   <p:embed/>
                 </p:oleObj>
               </mc:Choice>
               <mc:Fallback>
-                <p:oleObj name="Document" r:id="rId4" imgW="7313400" imgH="3687421" progId="Word.Document.12">
+                <p:oleObj name="Document" r:id="rId3" imgW="7313400" imgH="3687421" progId="Word.Document.12">
                   <p:embed/>
                   <p:pic>
                     <p:nvPicPr>
@@ -10621,7 +10320,7 @@
                       <p:nvPr/>
                     </p:nvPicPr>
                     <p:blipFill>
-                      <a:blip r:embed="rId5"/>
+                      <a:blip r:embed="rId4"/>
                       <a:stretch>
                         <a:fillRect/>
                       </a:stretch>
@@ -10688,7 +10387,7 @@
               <a:defRPr/>
             </a:pPr>
             <a:r>
-              <a:rPr lang="en-US" smtClean="0"/>
+              <a:rPr lang="en-US"/>
               <a:t>Murach's JavaScript and jQuery (3rd Ed.)</a:t>
             </a:r>
             <a:endParaRPr lang="en-US" dirty="0"/>
@@ -10714,39 +10413,38 @@
               <a:defRPr/>
             </a:pPr>
             <a:r>
-              <a:rPr lang="en-US" smtClean="0"/>
+              <a:rPr lang="en-US"/>
               <a:t>© 2017, Mike Murach &amp; Associates, Inc.</a:t>
             </a:r>
+          </a:p>
+        </p:txBody>
+      </p:sp>
+      <p:sp>
+        <p:nvSpPr>
+          <p:cNvPr id="10" name="Slide Number Placeholder 9"/>
+          <p:cNvSpPr>
+            <a:spLocks noGrp="1"/>
+          </p:cNvSpPr>
+          <p:nvPr>
+            <p:ph type="sldNum" sz="quarter" idx="12"/>
+          </p:nvPr>
+        </p:nvSpPr>
+        <p:spPr/>
+        <p:txBody>
+          <a:bodyPr/>
+          <a:lstStyle/>
+          <a:p>
+            <a:pPr>
+              <a:defRPr/>
+            </a:pPr>
             <a:endParaRPr lang="en-US"/>
           </a:p>
-        </p:txBody>
-      </p:sp>
-      <p:sp>
-        <p:nvSpPr>
-          <p:cNvPr id="10" name="Slide Number Placeholder 9"/>
-          <p:cNvSpPr>
-            <a:spLocks noGrp="1"/>
-          </p:cNvSpPr>
-          <p:nvPr>
-            <p:ph type="sldNum" sz="quarter" idx="12"/>
-          </p:nvPr>
-        </p:nvSpPr>
-        <p:spPr/>
-        <p:txBody>
-          <a:bodyPr/>
-          <a:lstStyle/>
-          <a:p>
-            <a:pPr>
-              <a:defRPr/>
-            </a:pPr>
-            <a:endParaRPr lang="en-US" smtClean="0"/>
-          </a:p>
           <a:p>
             <a:pPr algn="r">
               <a:defRPr/>
             </a:pPr>
             <a:r>
-              <a:rPr lang="en-US" sz="900" smtClean="0">
+              <a:rPr lang="en-US" sz="900">
                 <a:solidFill>
                   <a:schemeClr val="bg1"/>
                 </a:solidFill>
@@ -10785,13 +10483,6 @@
   <p:clrMapOvr>
     <a:masterClrMapping/>
   </p:clrMapOvr>
-  <p:timing>
-    <p:tnLst>
-      <p:par>
-        <p:cTn id="1" dur="indefinite" restart="never" nodeType="tmRoot"/>
-      </p:par>
-    </p:tnLst>
-  </p:timing>
 </p:sld>
 </file>
 
@@ -10834,12 +10525,12 @@
           <a:graphicData uri="http://schemas.openxmlformats.org/presentationml/2006/ole">
             <mc:AlternateContent xmlns:mc="http://schemas.openxmlformats.org/markup-compatibility/2006">
               <mc:Choice xmlns:v="urn:schemas-microsoft-com:vml" Requires="v">
-                <p:oleObj spid="_x0000_s43026" name="Document" r:id="rId4" imgW="7313400" imgH="4837649" progId="Word.Document.12">
+                <p:oleObj spid="_x0000_s43027" name="Document" r:id="rId3" imgW="7313400" imgH="4837649" progId="Word.Document.12">
                   <p:embed/>
                 </p:oleObj>
               </mc:Choice>
               <mc:Fallback>
-                <p:oleObj name="Document" r:id="rId4" imgW="7313400" imgH="4837649" progId="Word.Document.12">
+                <p:oleObj name="Document" r:id="rId3" imgW="7313400" imgH="4837649" progId="Word.Document.12">
                   <p:embed/>
                   <p:pic>
                     <p:nvPicPr>
@@ -10848,7 +10539,7 @@
                       <p:nvPr/>
                     </p:nvPicPr>
                     <p:blipFill>
-                      <a:blip r:embed="rId5"/>
+                      <a:blip r:embed="rId4"/>
                       <a:stretch>
                         <a:fillRect/>
                       </a:stretch>
@@ -10915,7 +10606,7 @@
               <a:defRPr/>
             </a:pPr>
             <a:r>
-              <a:rPr lang="en-US" smtClean="0"/>
+              <a:rPr lang="en-US"/>
               <a:t>Murach's JavaScript and jQuery (3rd Ed.)</a:t>
             </a:r>
             <a:endParaRPr lang="en-US" dirty="0"/>
@@ -10941,39 +10632,38 @@
               <a:defRPr/>
             </a:pPr>
             <a:r>
-              <a:rPr lang="en-US" smtClean="0"/>
+              <a:rPr lang="en-US"/>
               <a:t>© 2017, Mike Murach &amp; Associates, Inc.</a:t>
             </a:r>
+          </a:p>
+        </p:txBody>
+      </p:sp>
+      <p:sp>
+        <p:nvSpPr>
+          <p:cNvPr id="10" name="Slide Number Placeholder 9"/>
+          <p:cNvSpPr>
+            <a:spLocks noGrp="1"/>
+          </p:cNvSpPr>
+          <p:nvPr>
+            <p:ph type="sldNum" sz="quarter" idx="12"/>
+          </p:nvPr>
+        </p:nvSpPr>
+        <p:spPr/>
+        <p:txBody>
+          <a:bodyPr/>
+          <a:lstStyle/>
+          <a:p>
+            <a:pPr>
+              <a:defRPr/>
+            </a:pPr>
             <a:endParaRPr lang="en-US"/>
           </a:p>
-        </p:txBody>
-      </p:sp>
-      <p:sp>
-        <p:nvSpPr>
-          <p:cNvPr id="10" name="Slide Number Placeholder 9"/>
-          <p:cNvSpPr>
-            <a:spLocks noGrp="1"/>
-          </p:cNvSpPr>
-          <p:nvPr>
-            <p:ph type="sldNum" sz="quarter" idx="12"/>
-          </p:nvPr>
-        </p:nvSpPr>
-        <p:spPr/>
-        <p:txBody>
-          <a:bodyPr/>
-          <a:lstStyle/>
-          <a:p>
-            <a:pPr>
-              <a:defRPr/>
-            </a:pPr>
-            <a:endParaRPr lang="en-US" smtClean="0"/>
-          </a:p>
           <a:p>
             <a:pPr algn="r">
               <a:defRPr/>
             </a:pPr>
             <a:r>
-              <a:rPr lang="en-US" sz="900" smtClean="0">
+              <a:rPr lang="en-US" sz="900">
                 <a:solidFill>
                   <a:schemeClr val="bg1"/>
                 </a:solidFill>
@@ -11012,13 +10702,6 @@
   <p:clrMapOvr>
     <a:masterClrMapping/>
   </p:clrMapOvr>
-  <p:timing>
-    <p:tnLst>
-      <p:par>
-        <p:cTn id="1" dur="indefinite" restart="never" nodeType="tmRoot"/>
-      </p:par>
-    </p:tnLst>
-  </p:timing>
 </p:sld>
 </file>
 
@@ -11061,12 +10744,12 @@
           <a:graphicData uri="http://schemas.openxmlformats.org/presentationml/2006/ole">
             <mc:AlternateContent xmlns:mc="http://schemas.openxmlformats.org/markup-compatibility/2006">
               <mc:Choice xmlns:v="urn:schemas-microsoft-com:vml" Requires="v">
-                <p:oleObj spid="_x0000_s44048" name="Document" r:id="rId4" imgW="7313400" imgH="4578965" progId="Word.Document.12">
+                <p:oleObj spid="_x0000_s44049" name="Document" r:id="rId3" imgW="7313400" imgH="4578965" progId="Word.Document.12">
                   <p:embed/>
                 </p:oleObj>
               </mc:Choice>
               <mc:Fallback>
-                <p:oleObj name="Document" r:id="rId4" imgW="7313400" imgH="4578965" progId="Word.Document.12">
+                <p:oleObj name="Document" r:id="rId3" imgW="7313400" imgH="4578965" progId="Word.Document.12">
                   <p:embed/>
                   <p:pic>
                     <p:nvPicPr>
@@ -11075,7 +10758,7 @@
                       <p:nvPr/>
                     </p:nvPicPr>
                     <p:blipFill>
-                      <a:blip r:embed="rId5"/>
+                      <a:blip r:embed="rId4"/>
                       <a:stretch>
                         <a:fillRect/>
                       </a:stretch>
@@ -11142,7 +10825,7 @@
               <a:defRPr/>
             </a:pPr>
             <a:r>
-              <a:rPr lang="en-US" smtClean="0"/>
+              <a:rPr lang="en-US"/>
               <a:t>Murach's JavaScript and jQuery (3rd Ed.)</a:t>
             </a:r>
             <a:endParaRPr lang="en-US" dirty="0"/>
@@ -11168,39 +10851,38 @@
               <a:defRPr/>
             </a:pPr>
             <a:r>
-              <a:rPr lang="en-US" smtClean="0"/>
+              <a:rPr lang="en-US"/>
               <a:t>© 2017, Mike Murach &amp; Associates, Inc.</a:t>
             </a:r>
+          </a:p>
+        </p:txBody>
+      </p:sp>
+      <p:sp>
+        <p:nvSpPr>
+          <p:cNvPr id="10" name="Slide Number Placeholder 9"/>
+          <p:cNvSpPr>
+            <a:spLocks noGrp="1"/>
+          </p:cNvSpPr>
+          <p:nvPr>
+            <p:ph type="sldNum" sz="quarter" idx="12"/>
+          </p:nvPr>
+        </p:nvSpPr>
+        <p:spPr/>
+        <p:txBody>
+          <a:bodyPr/>
+          <a:lstStyle/>
+          <a:p>
+            <a:pPr>
+              <a:defRPr/>
+            </a:pPr>
             <a:endParaRPr lang="en-US"/>
           </a:p>
-        </p:txBody>
-      </p:sp>
-      <p:sp>
-        <p:nvSpPr>
-          <p:cNvPr id="10" name="Slide Number Placeholder 9"/>
-          <p:cNvSpPr>
-            <a:spLocks noGrp="1"/>
-          </p:cNvSpPr>
-          <p:nvPr>
-            <p:ph type="sldNum" sz="quarter" idx="12"/>
-          </p:nvPr>
-        </p:nvSpPr>
-        <p:spPr/>
-        <p:txBody>
-          <a:bodyPr/>
-          <a:lstStyle/>
-          <a:p>
-            <a:pPr>
-              <a:defRPr/>
-            </a:pPr>
-            <a:endParaRPr lang="en-US" smtClean="0"/>
-          </a:p>
           <a:p>
             <a:pPr algn="r">
               <a:defRPr/>
             </a:pPr>
             <a:r>
-              <a:rPr lang="en-US" sz="900" smtClean="0">
+              <a:rPr lang="en-US" sz="900">
                 <a:solidFill>
                   <a:schemeClr val="bg1"/>
                 </a:solidFill>
@@ -11239,13 +10921,6 @@
   <p:clrMapOvr>
     <a:masterClrMapping/>
   </p:clrMapOvr>
-  <p:timing>
-    <p:tnLst>
-      <p:par>
-        <p:cTn id="1" dur="indefinite" restart="never" nodeType="tmRoot"/>
-      </p:par>
-    </p:tnLst>
-  </p:timing>
 </p:sld>
 </file>
 
@@ -11312,7 +10987,7 @@
               <a:defRPr/>
             </a:pPr>
             <a:r>
-              <a:rPr lang="en-US" smtClean="0"/>
+              <a:rPr lang="en-US"/>
               <a:t>Murach's JavaScript and jQuery (3rd Ed.)</a:t>
             </a:r>
             <a:endParaRPr lang="en-US" dirty="0"/>
@@ -11338,39 +11013,38 @@
               <a:defRPr/>
             </a:pPr>
             <a:r>
-              <a:rPr lang="en-US" smtClean="0"/>
+              <a:rPr lang="en-US"/>
               <a:t>© 2017, Mike Murach &amp; Associates, Inc.</a:t>
             </a:r>
+          </a:p>
+        </p:txBody>
+      </p:sp>
+      <p:sp>
+        <p:nvSpPr>
+          <p:cNvPr id="10" name="Slide Number Placeholder 9"/>
+          <p:cNvSpPr>
+            <a:spLocks noGrp="1"/>
+          </p:cNvSpPr>
+          <p:nvPr>
+            <p:ph type="sldNum" sz="quarter" idx="12"/>
+          </p:nvPr>
+        </p:nvSpPr>
+        <p:spPr/>
+        <p:txBody>
+          <a:bodyPr/>
+          <a:lstStyle/>
+          <a:p>
+            <a:pPr>
+              <a:defRPr/>
+            </a:pPr>
             <a:endParaRPr lang="en-US"/>
           </a:p>
-        </p:txBody>
-      </p:sp>
-      <p:sp>
-        <p:nvSpPr>
-          <p:cNvPr id="10" name="Slide Number Placeholder 9"/>
-          <p:cNvSpPr>
-            <a:spLocks noGrp="1"/>
-          </p:cNvSpPr>
-          <p:nvPr>
-            <p:ph type="sldNum" sz="quarter" idx="12"/>
-          </p:nvPr>
-        </p:nvSpPr>
-        <p:spPr/>
-        <p:txBody>
-          <a:bodyPr/>
-          <a:lstStyle/>
-          <a:p>
-            <a:pPr>
-              <a:defRPr/>
-            </a:pPr>
-            <a:endParaRPr lang="en-US" smtClean="0"/>
-          </a:p>
           <a:p>
             <a:pPr algn="r">
               <a:defRPr/>
             </a:pPr>
             <a:r>
-              <a:rPr lang="en-US" sz="900" smtClean="0">
+              <a:rPr lang="en-US" sz="900">
                 <a:solidFill>
                   <a:schemeClr val="bg1"/>
                 </a:solidFill>
@@ -11421,12 +11095,12 @@
           <a:graphicData uri="http://schemas.openxmlformats.org/presentationml/2006/ole">
             <mc:AlternateContent xmlns:mc="http://schemas.openxmlformats.org/markup-compatibility/2006">
               <mc:Choice xmlns:v="urn:schemas-microsoft-com:vml" Requires="v">
-                <p:oleObj spid="_x0000_s45072" name="Document" r:id="rId4" imgW="7301323" imgH="5000236" progId="Word.Document.12">
+                <p:oleObj spid="_x0000_s45073" name="Document" r:id="rId3" imgW="7301323" imgH="5000236" progId="Word.Document.12">
                   <p:embed/>
                 </p:oleObj>
               </mc:Choice>
               <mc:Fallback>
-                <p:oleObj name="Document" r:id="rId4" imgW="7301323" imgH="5000236" progId="Word.Document.12">
+                <p:oleObj name="Document" r:id="rId3" imgW="7301323" imgH="5000236" progId="Word.Document.12">
                   <p:embed/>
                   <p:pic>
                     <p:nvPicPr>
@@ -11435,7 +11109,7 @@
                       <p:nvPr/>
                     </p:nvPicPr>
                     <p:blipFill>
-                      <a:blip r:embed="rId5"/>
+                      <a:blip r:embed="rId4"/>
                       <a:stretch>
                         <a:fillRect/>
                       </a:stretch>
@@ -11466,13 +11140,6 @@
   <p:clrMapOvr>
     <a:masterClrMapping/>
   </p:clrMapOvr>
-  <p:timing>
-    <p:tnLst>
-      <p:par>
-        <p:cTn id="1" dur="indefinite" restart="never" nodeType="tmRoot"/>
-      </p:par>
-    </p:tnLst>
-  </p:timing>
 </p:sld>
 </file>
 
@@ -11539,7 +11206,7 @@
               <a:defRPr/>
             </a:pPr>
             <a:r>
-              <a:rPr lang="en-US" smtClean="0"/>
+              <a:rPr lang="en-US"/>
               <a:t>Murach's JavaScript and jQuery (3rd Ed.)</a:t>
             </a:r>
             <a:endParaRPr lang="en-US" dirty="0"/>
@@ -11565,39 +11232,38 @@
               <a:defRPr/>
             </a:pPr>
             <a:r>
-              <a:rPr lang="en-US" smtClean="0"/>
+              <a:rPr lang="en-US"/>
               <a:t>© 2017, Mike Murach &amp; Associates, Inc.</a:t>
             </a:r>
+          </a:p>
+        </p:txBody>
+      </p:sp>
+      <p:sp>
+        <p:nvSpPr>
+          <p:cNvPr id="10" name="Slide Number Placeholder 9"/>
+          <p:cNvSpPr>
+            <a:spLocks noGrp="1"/>
+          </p:cNvSpPr>
+          <p:nvPr>
+            <p:ph type="sldNum" sz="quarter" idx="12"/>
+          </p:nvPr>
+        </p:nvSpPr>
+        <p:spPr/>
+        <p:txBody>
+          <a:bodyPr/>
+          <a:lstStyle/>
+          <a:p>
+            <a:pPr>
+              <a:defRPr/>
+            </a:pPr>
             <a:endParaRPr lang="en-US"/>
           </a:p>
-        </p:txBody>
-      </p:sp>
-      <p:sp>
-        <p:nvSpPr>
-          <p:cNvPr id="10" name="Slide Number Placeholder 9"/>
-          <p:cNvSpPr>
-            <a:spLocks noGrp="1"/>
-          </p:cNvSpPr>
-          <p:nvPr>
-            <p:ph type="sldNum" sz="quarter" idx="12"/>
-          </p:nvPr>
-        </p:nvSpPr>
-        <p:spPr/>
-        <p:txBody>
-          <a:bodyPr/>
-          <a:lstStyle/>
-          <a:p>
-            <a:pPr>
-              <a:defRPr/>
-            </a:pPr>
-            <a:endParaRPr lang="en-US" smtClean="0"/>
-          </a:p>
           <a:p>
             <a:pPr algn="r">
               <a:defRPr/>
             </a:pPr>
             <a:r>
-              <a:rPr lang="en-US" sz="900" smtClean="0">
+              <a:rPr lang="en-US" sz="900">
                 <a:solidFill>
                   <a:schemeClr val="bg1"/>
                 </a:solidFill>
@@ -11648,12 +11314,12 @@
           <a:graphicData uri="http://schemas.openxmlformats.org/presentationml/2006/ole">
             <mc:AlternateContent xmlns:mc="http://schemas.openxmlformats.org/markup-compatibility/2006">
               <mc:Choice xmlns:v="urn:schemas-microsoft-com:vml" Requires="v">
-                <p:oleObj spid="_x0000_s46096" name="Document" r:id="rId4" imgW="7313400" imgH="5038768" progId="Word.Document.12">
+                <p:oleObj spid="_x0000_s46097" name="Document" r:id="rId3" imgW="7313400" imgH="5038768" progId="Word.Document.12">
                   <p:embed/>
                 </p:oleObj>
               </mc:Choice>
               <mc:Fallback>
-                <p:oleObj name="Document" r:id="rId4" imgW="7313400" imgH="5038768" progId="Word.Document.12">
+                <p:oleObj name="Document" r:id="rId3" imgW="7313400" imgH="5038768" progId="Word.Document.12">
                   <p:embed/>
                   <p:pic>
                     <p:nvPicPr>
@@ -11662,7 +11328,7 @@
                       <p:nvPr/>
                     </p:nvPicPr>
                     <p:blipFill>
-                      <a:blip r:embed="rId5"/>
+                      <a:blip r:embed="rId4"/>
                       <a:stretch>
                         <a:fillRect/>
                       </a:stretch>
@@ -11693,13 +11359,6 @@
   <p:clrMapOvr>
     <a:masterClrMapping/>
   </p:clrMapOvr>
-  <p:timing>
-    <p:tnLst>
-      <p:par>
-        <p:cTn id="1" dur="indefinite" restart="never" nodeType="tmRoot"/>
-      </p:par>
-    </p:tnLst>
-  </p:timing>
 </p:sld>
 </file>
 
@@ -11766,7 +11425,7 @@
               <a:defRPr/>
             </a:pPr>
             <a:r>
-              <a:rPr lang="en-US" smtClean="0"/>
+              <a:rPr lang="en-US"/>
               <a:t>Murach's JavaScript and jQuery (3rd Ed.)</a:t>
             </a:r>
             <a:endParaRPr lang="en-US" dirty="0"/>
@@ -11792,39 +11451,38 @@
               <a:defRPr/>
             </a:pPr>
             <a:r>
-              <a:rPr lang="en-US" smtClean="0"/>
+              <a:rPr lang="en-US"/>
               <a:t>© 2017, Mike Murach &amp; Associates, Inc.</a:t>
             </a:r>
+          </a:p>
+        </p:txBody>
+      </p:sp>
+      <p:sp>
+        <p:nvSpPr>
+          <p:cNvPr id="10" name="Slide Number Placeholder 9"/>
+          <p:cNvSpPr>
+            <a:spLocks noGrp="1"/>
+          </p:cNvSpPr>
+          <p:nvPr>
+            <p:ph type="sldNum" sz="quarter" idx="12"/>
+          </p:nvPr>
+        </p:nvSpPr>
+        <p:spPr/>
+        <p:txBody>
+          <a:bodyPr/>
+          <a:lstStyle/>
+          <a:p>
+            <a:pPr>
+              <a:defRPr/>
+            </a:pPr>
             <a:endParaRPr lang="en-US"/>
           </a:p>
-        </p:txBody>
-      </p:sp>
-      <p:sp>
-        <p:nvSpPr>
-          <p:cNvPr id="10" name="Slide Number Placeholder 9"/>
-          <p:cNvSpPr>
-            <a:spLocks noGrp="1"/>
-          </p:cNvSpPr>
-          <p:nvPr>
-            <p:ph type="sldNum" sz="quarter" idx="12"/>
-          </p:nvPr>
-        </p:nvSpPr>
-        <p:spPr/>
-        <p:txBody>
-          <a:bodyPr/>
-          <a:lstStyle/>
-          <a:p>
-            <a:pPr>
-              <a:defRPr/>
-            </a:pPr>
-            <a:endParaRPr lang="en-US" smtClean="0"/>
-          </a:p>
           <a:p>
             <a:pPr algn="r">
               <a:defRPr/>
             </a:pPr>
             <a:r>
-              <a:rPr lang="en-US" sz="900" smtClean="0">
+              <a:rPr lang="en-US" sz="900">
                 <a:solidFill>
                   <a:schemeClr val="bg1"/>
                 </a:solidFill>
@@ -11875,12 +11533,12 @@
           <a:graphicData uri="http://schemas.openxmlformats.org/presentationml/2006/ole">
             <mc:AlternateContent xmlns:mc="http://schemas.openxmlformats.org/markup-compatibility/2006">
               <mc:Choice xmlns:v="urn:schemas-microsoft-com:vml" Requires="v">
-                <p:oleObj spid="_x0000_s47120" name="Document" r:id="rId4" imgW="7301323" imgH="3851265" progId="Word.Document.12">
+                <p:oleObj spid="_x0000_s47121" name="Document" r:id="rId3" imgW="7301323" imgH="3851265" progId="Word.Document.12">
                   <p:embed/>
                 </p:oleObj>
               </mc:Choice>
               <mc:Fallback>
-                <p:oleObj name="Document" r:id="rId4" imgW="7301323" imgH="3851265" progId="Word.Document.12">
+                <p:oleObj name="Document" r:id="rId3" imgW="7301323" imgH="3851265" progId="Word.Document.12">
                   <p:embed/>
                   <p:pic>
                     <p:nvPicPr>
@@ -11889,7 +11547,7 @@
                       <p:nvPr/>
                     </p:nvPicPr>
                     <p:blipFill>
-                      <a:blip r:embed="rId5"/>
+                      <a:blip r:embed="rId4"/>
                       <a:stretch>
                         <a:fillRect/>
                       </a:stretch>
@@ -11920,13 +11578,6 @@
   <p:clrMapOvr>
     <a:masterClrMapping/>
   </p:clrMapOvr>
-  <p:timing>
-    <p:tnLst>
-      <p:par>
-        <p:cTn id="1" dur="indefinite" restart="never" nodeType="tmRoot"/>
-      </p:par>
-    </p:tnLst>
-  </p:timing>
 </p:sld>
 </file>
 
@@ -11993,7 +11644,7 @@
               <a:defRPr/>
             </a:pPr>
             <a:r>
-              <a:rPr lang="en-US" smtClean="0"/>
+              <a:rPr lang="en-US"/>
               <a:t>Murach's JavaScript and jQuery (3rd Ed.)</a:t>
             </a:r>
             <a:endParaRPr lang="en-US" dirty="0"/>
@@ -12019,39 +11670,38 @@
               <a:defRPr/>
             </a:pPr>
             <a:r>
-              <a:rPr lang="en-US" smtClean="0"/>
+              <a:rPr lang="en-US"/>
               <a:t>© 2017, Mike Murach &amp; Associates, Inc.</a:t>
             </a:r>
+          </a:p>
+        </p:txBody>
+      </p:sp>
+      <p:sp>
+        <p:nvSpPr>
+          <p:cNvPr id="10" name="Slide Number Placeholder 9"/>
+          <p:cNvSpPr>
+            <a:spLocks noGrp="1"/>
+          </p:cNvSpPr>
+          <p:nvPr>
+            <p:ph type="sldNum" sz="quarter" idx="12"/>
+          </p:nvPr>
+        </p:nvSpPr>
+        <p:spPr/>
+        <p:txBody>
+          <a:bodyPr/>
+          <a:lstStyle/>
+          <a:p>
+            <a:pPr>
+              <a:defRPr/>
+            </a:pPr>
             <a:endParaRPr lang="en-US"/>
           </a:p>
-        </p:txBody>
-      </p:sp>
-      <p:sp>
-        <p:nvSpPr>
-          <p:cNvPr id="10" name="Slide Number Placeholder 9"/>
-          <p:cNvSpPr>
-            <a:spLocks noGrp="1"/>
-          </p:cNvSpPr>
-          <p:nvPr>
-            <p:ph type="sldNum" sz="quarter" idx="12"/>
-          </p:nvPr>
-        </p:nvSpPr>
-        <p:spPr/>
-        <p:txBody>
-          <a:bodyPr/>
-          <a:lstStyle/>
-          <a:p>
-            <a:pPr>
-              <a:defRPr/>
-            </a:pPr>
-            <a:endParaRPr lang="en-US" smtClean="0"/>
-          </a:p>
           <a:p>
             <a:pPr algn="r">
               <a:defRPr/>
             </a:pPr>
             <a:r>
-              <a:rPr lang="en-US" sz="900" smtClean="0">
+              <a:rPr lang="en-US" sz="900">
                 <a:solidFill>
                   <a:schemeClr val="bg1"/>
                 </a:solidFill>
@@ -12102,12 +11752,12 @@
           <a:graphicData uri="http://schemas.openxmlformats.org/presentationml/2006/ole">
             <mc:AlternateContent xmlns:mc="http://schemas.openxmlformats.org/markup-compatibility/2006">
               <mc:Choice xmlns:v="urn:schemas-microsoft-com:vml" Requires="v">
-                <p:oleObj spid="_x0000_s48144" name="Document" r:id="rId4" imgW="7313400" imgH="4759576" progId="Word.Document.12">
+                <p:oleObj spid="_x0000_s48145" name="Document" r:id="rId3" imgW="7313400" imgH="4759576" progId="Word.Document.12">
                   <p:embed/>
                 </p:oleObj>
               </mc:Choice>
               <mc:Fallback>
-                <p:oleObj name="Document" r:id="rId4" imgW="7313400" imgH="4759576" progId="Word.Document.12">
+                <p:oleObj name="Document" r:id="rId3" imgW="7313400" imgH="4759576" progId="Word.Document.12">
                   <p:embed/>
                   <p:pic>
                     <p:nvPicPr>
@@ -12116,7 +11766,7 @@
                       <p:nvPr/>
                     </p:nvPicPr>
                     <p:blipFill>
-                      <a:blip r:embed="rId5"/>
+                      <a:blip r:embed="rId4"/>
                       <a:stretch>
                         <a:fillRect/>
                       </a:stretch>
@@ -12147,13 +11797,6 @@
   <p:clrMapOvr>
     <a:masterClrMapping/>
   </p:clrMapOvr>
-  <p:timing>
-    <p:tnLst>
-      <p:par>
-        <p:cTn id="1" dur="indefinite" restart="never" nodeType="tmRoot"/>
-      </p:par>
-    </p:tnLst>
-  </p:timing>
 </p:sld>
 </file>
 
@@ -12227,7 +11870,7 @@
               <a:defRPr/>
             </a:pPr>
             <a:r>
-              <a:rPr lang="en-US" smtClean="0"/>
+              <a:rPr lang="en-US"/>
               <a:t>Murach's JavaScript and jQuery (3rd Ed.)</a:t>
             </a:r>
             <a:endParaRPr lang="en-US" dirty="0"/>
@@ -12253,39 +11896,38 @@
               <a:defRPr/>
             </a:pPr>
             <a:r>
-              <a:rPr lang="en-US" smtClean="0"/>
+              <a:rPr lang="en-US"/>
               <a:t>© 2017, Mike Murach &amp; Associates, Inc.</a:t>
             </a:r>
+          </a:p>
+        </p:txBody>
+      </p:sp>
+      <p:sp>
+        <p:nvSpPr>
+          <p:cNvPr id="10" name="Slide Number Placeholder 9"/>
+          <p:cNvSpPr>
+            <a:spLocks noGrp="1"/>
+          </p:cNvSpPr>
+          <p:nvPr>
+            <p:ph type="sldNum" sz="quarter" idx="12"/>
+          </p:nvPr>
+        </p:nvSpPr>
+        <p:spPr/>
+        <p:txBody>
+          <a:bodyPr/>
+          <a:lstStyle/>
+          <a:p>
+            <a:pPr>
+              <a:defRPr/>
+            </a:pPr>
             <a:endParaRPr lang="en-US"/>
           </a:p>
-        </p:txBody>
-      </p:sp>
-      <p:sp>
-        <p:nvSpPr>
-          <p:cNvPr id="10" name="Slide Number Placeholder 9"/>
-          <p:cNvSpPr>
-            <a:spLocks noGrp="1"/>
-          </p:cNvSpPr>
-          <p:nvPr>
-            <p:ph type="sldNum" sz="quarter" idx="12"/>
-          </p:nvPr>
-        </p:nvSpPr>
-        <p:spPr/>
-        <p:txBody>
-          <a:bodyPr/>
-          <a:lstStyle/>
-          <a:p>
-            <a:pPr>
-              <a:defRPr/>
-            </a:pPr>
-            <a:endParaRPr lang="en-US" smtClean="0"/>
-          </a:p>
           <a:p>
             <a:pPr algn="r">
               <a:defRPr/>
             </a:pPr>
             <a:r>
-              <a:rPr lang="en-US" sz="900" smtClean="0">
+              <a:rPr lang="en-US" sz="900">
                 <a:solidFill>
                   <a:schemeClr val="bg1"/>
                 </a:solidFill>
@@ -12336,12 +11978,12 @@
           <a:graphicData uri="http://schemas.openxmlformats.org/presentationml/2006/ole">
             <mc:AlternateContent xmlns:mc="http://schemas.openxmlformats.org/markup-compatibility/2006">
               <mc:Choice xmlns:v="urn:schemas-microsoft-com:vml" Requires="v">
-                <p:oleObj spid="_x0000_s5137" name="Document" r:id="rId4" imgW="7313400" imgH="4356619" progId="Word.Document.12">
+                <p:oleObj spid="_x0000_s5138" name="Document" r:id="rId3" imgW="7313400" imgH="4356619" progId="Word.Document.12">
                   <p:embed/>
                 </p:oleObj>
               </mc:Choice>
               <mc:Fallback>
-                <p:oleObj name="Document" r:id="rId4" imgW="7313400" imgH="4356619" progId="Word.Document.12">
+                <p:oleObj name="Document" r:id="rId3" imgW="7313400" imgH="4356619" progId="Word.Document.12">
                   <p:embed/>
                   <p:pic>
                     <p:nvPicPr>
@@ -12350,7 +11992,7 @@
                       <p:nvPr/>
                     </p:nvPicPr>
                     <p:blipFill>
-                      <a:blip r:embed="rId5"/>
+                      <a:blip r:embed="rId4"/>
                       <a:stretch>
                         <a:fillRect/>
                       </a:stretch>
@@ -12381,13 +12023,6 @@
   <p:clrMapOvr>
     <a:masterClrMapping/>
   </p:clrMapOvr>
-  <p:timing>
-    <p:tnLst>
-      <p:par>
-        <p:cTn id="1" dur="indefinite" restart="never" nodeType="tmRoot"/>
-      </p:par>
-    </p:tnLst>
-  </p:timing>
 </p:sld>
 </file>
 
@@ -12483,7 +12118,7 @@
               <a:defRPr/>
             </a:pPr>
             <a:r>
-              <a:rPr lang="en-US" smtClean="0"/>
+              <a:rPr lang="en-US"/>
               <a:t>Murach's JavaScript and jQuery (3rd Ed.)</a:t>
             </a:r>
             <a:endParaRPr lang="en-US" dirty="0"/>
@@ -12509,39 +12144,38 @@
               <a:defRPr/>
             </a:pPr>
             <a:r>
-              <a:rPr lang="en-US" smtClean="0"/>
+              <a:rPr lang="en-US"/>
               <a:t>© 2017, Mike Murach &amp; Associates, Inc.</a:t>
             </a:r>
+          </a:p>
+        </p:txBody>
+      </p:sp>
+      <p:sp>
+        <p:nvSpPr>
+          <p:cNvPr id="10" name="Slide Number Placeholder 9"/>
+          <p:cNvSpPr>
+            <a:spLocks noGrp="1"/>
+          </p:cNvSpPr>
+          <p:nvPr>
+            <p:ph type="sldNum" sz="quarter" idx="12"/>
+          </p:nvPr>
+        </p:nvSpPr>
+        <p:spPr/>
+        <p:txBody>
+          <a:bodyPr/>
+          <a:lstStyle/>
+          <a:p>
+            <a:pPr>
+              <a:defRPr/>
+            </a:pPr>
             <a:endParaRPr lang="en-US"/>
           </a:p>
-        </p:txBody>
-      </p:sp>
-      <p:sp>
-        <p:nvSpPr>
-          <p:cNvPr id="10" name="Slide Number Placeholder 9"/>
-          <p:cNvSpPr>
-            <a:spLocks noGrp="1"/>
-          </p:cNvSpPr>
-          <p:nvPr>
-            <p:ph type="sldNum" sz="quarter" idx="12"/>
-          </p:nvPr>
-        </p:nvSpPr>
-        <p:spPr/>
-        <p:txBody>
-          <a:bodyPr/>
-          <a:lstStyle/>
-          <a:p>
-            <a:pPr>
-              <a:defRPr/>
-            </a:pPr>
-            <a:endParaRPr lang="en-US" smtClean="0"/>
-          </a:p>
           <a:p>
             <a:pPr algn="r">
               <a:defRPr/>
             </a:pPr>
             <a:r>
-              <a:rPr lang="en-US" sz="900" smtClean="0">
+              <a:rPr lang="en-US" sz="900">
                 <a:solidFill>
                   <a:schemeClr val="bg1"/>
                 </a:solidFill>
@@ -12580,13 +12214,6 @@
   <p:clrMapOvr>
     <a:masterClrMapping/>
   </p:clrMapOvr>
-  <p:timing>
-    <p:tnLst>
-      <p:par>
-        <p:cTn id="1" dur="indefinite" restart="never" nodeType="tmRoot"/>
-      </p:par>
-    </p:tnLst>
-  </p:timing>
 </p:sld>
 </file>
 
@@ -12629,12 +12256,12 @@
           <a:graphicData uri="http://schemas.openxmlformats.org/presentationml/2006/ole">
             <mc:AlternateContent xmlns:mc="http://schemas.openxmlformats.org/markup-compatibility/2006">
               <mc:Choice xmlns:v="urn:schemas-microsoft-com:vml" Requires="v">
-                <p:oleObj spid="_x0000_s7185" name="Document" r:id="rId4" imgW="7313400" imgH="3658639" progId="Word.Document.12">
+                <p:oleObj spid="_x0000_s7186" name="Document" r:id="rId3" imgW="7313400" imgH="3658639" progId="Word.Document.12">
                   <p:embed/>
                 </p:oleObj>
               </mc:Choice>
               <mc:Fallback>
-                <p:oleObj name="Document" r:id="rId4" imgW="7313400" imgH="3658639" progId="Word.Document.12">
+                <p:oleObj name="Document" r:id="rId3" imgW="7313400" imgH="3658639" progId="Word.Document.12">
                   <p:embed/>
                   <p:pic>
                     <p:nvPicPr>
@@ -12643,7 +12270,7 @@
                       <p:nvPr/>
                     </p:nvPicPr>
                     <p:blipFill>
-                      <a:blip r:embed="rId5"/>
+                      <a:blip r:embed="rId4"/>
                       <a:stretch>
                         <a:fillRect/>
                       </a:stretch>
@@ -12710,7 +12337,7 @@
               <a:defRPr/>
             </a:pPr>
             <a:r>
-              <a:rPr lang="en-US" smtClean="0"/>
+              <a:rPr lang="en-US"/>
               <a:t>Murach's JavaScript and jQuery (3rd Ed.)</a:t>
             </a:r>
             <a:endParaRPr lang="en-US" dirty="0"/>
@@ -12736,39 +12363,38 @@
               <a:defRPr/>
             </a:pPr>
             <a:r>
-              <a:rPr lang="en-US" smtClean="0"/>
+              <a:rPr lang="en-US"/>
               <a:t>© 2017, Mike Murach &amp; Associates, Inc.</a:t>
             </a:r>
+          </a:p>
+        </p:txBody>
+      </p:sp>
+      <p:sp>
+        <p:nvSpPr>
+          <p:cNvPr id="10" name="Slide Number Placeholder 9"/>
+          <p:cNvSpPr>
+            <a:spLocks noGrp="1"/>
+          </p:cNvSpPr>
+          <p:nvPr>
+            <p:ph type="sldNum" sz="quarter" idx="12"/>
+          </p:nvPr>
+        </p:nvSpPr>
+        <p:spPr/>
+        <p:txBody>
+          <a:bodyPr/>
+          <a:lstStyle/>
+          <a:p>
+            <a:pPr>
+              <a:defRPr/>
+            </a:pPr>
             <a:endParaRPr lang="en-US"/>
           </a:p>
-        </p:txBody>
-      </p:sp>
-      <p:sp>
-        <p:nvSpPr>
-          <p:cNvPr id="10" name="Slide Number Placeholder 9"/>
-          <p:cNvSpPr>
-            <a:spLocks noGrp="1"/>
-          </p:cNvSpPr>
-          <p:nvPr>
-            <p:ph type="sldNum" sz="quarter" idx="12"/>
-          </p:nvPr>
-        </p:nvSpPr>
-        <p:spPr/>
-        <p:txBody>
-          <a:bodyPr/>
-          <a:lstStyle/>
-          <a:p>
-            <a:pPr>
-              <a:defRPr/>
-            </a:pPr>
-            <a:endParaRPr lang="en-US" smtClean="0"/>
-          </a:p>
           <a:p>
             <a:pPr algn="r">
               <a:defRPr/>
             </a:pPr>
             <a:r>
-              <a:rPr lang="en-US" sz="900" smtClean="0">
+              <a:rPr lang="en-US" sz="900">
                 <a:solidFill>
                   <a:schemeClr val="bg1"/>
                 </a:solidFill>
@@ -12807,13 +12433,6 @@
   <p:clrMapOvr>
     <a:masterClrMapping/>
   </p:clrMapOvr>
-  <p:timing>
-    <p:tnLst>
-      <p:par>
-        <p:cTn id="1" dur="indefinite" restart="never" nodeType="tmRoot"/>
-      </p:par>
-    </p:tnLst>
-  </p:timing>
 </p:sld>
 </file>
 
@@ -12856,12 +12475,12 @@
           <a:graphicData uri="http://schemas.openxmlformats.org/presentationml/2006/ole">
             <mc:AlternateContent xmlns:mc="http://schemas.openxmlformats.org/markup-compatibility/2006">
               <mc:Choice xmlns:v="urn:schemas-microsoft-com:vml" Requires="v">
-                <p:oleObj spid="_x0000_s8209" name="Document" r:id="rId4" imgW="7313400" imgH="3227258" progId="Word.Document.12">
+                <p:oleObj spid="_x0000_s8210" name="Document" r:id="rId3" imgW="7313400" imgH="3227258" progId="Word.Document.12">
                   <p:embed/>
                 </p:oleObj>
               </mc:Choice>
               <mc:Fallback>
-                <p:oleObj name="Document" r:id="rId4" imgW="7313400" imgH="3227258" progId="Word.Document.12">
+                <p:oleObj name="Document" r:id="rId3" imgW="7313400" imgH="3227258" progId="Word.Document.12">
                   <p:embed/>
                   <p:pic>
                     <p:nvPicPr>
@@ -12870,7 +12489,7 @@
                       <p:nvPr/>
                     </p:nvPicPr>
                     <p:blipFill>
-                      <a:blip r:embed="rId5"/>
+                      <a:blip r:embed="rId4"/>
                       <a:stretch>
                         <a:fillRect/>
                       </a:stretch>
@@ -12953,7 +12572,7 @@
               <a:defRPr/>
             </a:pPr>
             <a:r>
-              <a:rPr lang="en-US" smtClean="0"/>
+              <a:rPr lang="en-US"/>
               <a:t>Murach's JavaScript and jQuery (3rd Ed.)</a:t>
             </a:r>
             <a:endParaRPr lang="en-US" dirty="0"/>
@@ -12979,39 +12598,38 @@
               <a:defRPr/>
             </a:pPr>
             <a:r>
-              <a:rPr lang="en-US" smtClean="0"/>
+              <a:rPr lang="en-US"/>
               <a:t>© 2017, Mike Murach &amp; Associates, Inc.</a:t>
             </a:r>
+          </a:p>
+        </p:txBody>
+      </p:sp>
+      <p:sp>
+        <p:nvSpPr>
+          <p:cNvPr id="10" name="Slide Number Placeholder 9"/>
+          <p:cNvSpPr>
+            <a:spLocks noGrp="1"/>
+          </p:cNvSpPr>
+          <p:nvPr>
+            <p:ph type="sldNum" sz="quarter" idx="12"/>
+          </p:nvPr>
+        </p:nvSpPr>
+        <p:spPr/>
+        <p:txBody>
+          <a:bodyPr/>
+          <a:lstStyle/>
+          <a:p>
+            <a:pPr>
+              <a:defRPr/>
+            </a:pPr>
             <a:endParaRPr lang="en-US"/>
           </a:p>
-        </p:txBody>
-      </p:sp>
-      <p:sp>
-        <p:nvSpPr>
-          <p:cNvPr id="10" name="Slide Number Placeholder 9"/>
-          <p:cNvSpPr>
-            <a:spLocks noGrp="1"/>
-          </p:cNvSpPr>
-          <p:nvPr>
-            <p:ph type="sldNum" sz="quarter" idx="12"/>
-          </p:nvPr>
-        </p:nvSpPr>
-        <p:spPr/>
-        <p:txBody>
-          <a:bodyPr/>
-          <a:lstStyle/>
-          <a:p>
-            <a:pPr>
-              <a:defRPr/>
-            </a:pPr>
-            <a:endParaRPr lang="en-US" smtClean="0"/>
-          </a:p>
           <a:p>
             <a:pPr algn="r">
               <a:defRPr/>
             </a:pPr>
             <a:r>
-              <a:rPr lang="en-US" sz="900" smtClean="0">
+              <a:rPr lang="en-US" sz="900">
                 <a:solidFill>
                   <a:schemeClr val="bg1"/>
                 </a:solidFill>
@@ -13050,13 +12668,6 @@
   <p:clrMapOvr>
     <a:masterClrMapping/>
   </p:clrMapOvr>
-  <p:timing>
-    <p:tnLst>
-      <p:par>
-        <p:cTn id="1" dur="indefinite" restart="never" nodeType="tmRoot"/>
-      </p:par>
-    </p:tnLst>
-  </p:timing>
 </p:sld>
 </file>
 
@@ -13099,12 +12710,12 @@
           <a:graphicData uri="http://schemas.openxmlformats.org/presentationml/2006/ole">
             <mc:AlternateContent xmlns:mc="http://schemas.openxmlformats.org/markup-compatibility/2006">
               <mc:Choice xmlns:v="urn:schemas-microsoft-com:vml" Requires="v">
-                <p:oleObj spid="_x0000_s9233" name="Document" r:id="rId4" imgW="7313400" imgH="2077030" progId="Word.Document.12">
+                <p:oleObj spid="_x0000_s9234" name="Document" r:id="rId3" imgW="7313400" imgH="2077030" progId="Word.Document.12">
                   <p:embed/>
                 </p:oleObj>
               </mc:Choice>
               <mc:Fallback>
-                <p:oleObj name="Document" r:id="rId4" imgW="7313400" imgH="2077030" progId="Word.Document.12">
+                <p:oleObj name="Document" r:id="rId3" imgW="7313400" imgH="2077030" progId="Word.Document.12">
                   <p:embed/>
                   <p:pic>
                     <p:nvPicPr>
@@ -13113,7 +12724,7 @@
                       <p:nvPr/>
                     </p:nvPicPr>
                     <p:blipFill>
-                      <a:blip r:embed="rId5"/>
+                      <a:blip r:embed="rId4"/>
                       <a:stretch>
                         <a:fillRect/>
                       </a:stretch>
@@ -13188,7 +12799,7 @@
               <a:defRPr/>
             </a:pPr>
             <a:r>
-              <a:rPr lang="en-US" smtClean="0"/>
+              <a:rPr lang="en-US"/>
               <a:t>Murach's JavaScript and jQuery (3rd Ed.)</a:t>
             </a:r>
             <a:endParaRPr lang="en-US" dirty="0"/>
@@ -13214,39 +12825,38 @@
               <a:defRPr/>
             </a:pPr>
             <a:r>
-              <a:rPr lang="en-US" smtClean="0"/>
+              <a:rPr lang="en-US"/>
               <a:t>© 2017, Mike Murach &amp; Associates, Inc.</a:t>
             </a:r>
+          </a:p>
+        </p:txBody>
+      </p:sp>
+      <p:sp>
+        <p:nvSpPr>
+          <p:cNvPr id="10" name="Slide Number Placeholder 9"/>
+          <p:cNvSpPr>
+            <a:spLocks noGrp="1"/>
+          </p:cNvSpPr>
+          <p:nvPr>
+            <p:ph type="sldNum" sz="quarter" idx="12"/>
+          </p:nvPr>
+        </p:nvSpPr>
+        <p:spPr/>
+        <p:txBody>
+          <a:bodyPr/>
+          <a:lstStyle/>
+          <a:p>
+            <a:pPr>
+              <a:defRPr/>
+            </a:pPr>
             <a:endParaRPr lang="en-US"/>
           </a:p>
-        </p:txBody>
-      </p:sp>
-      <p:sp>
-        <p:nvSpPr>
-          <p:cNvPr id="10" name="Slide Number Placeholder 9"/>
-          <p:cNvSpPr>
-            <a:spLocks noGrp="1"/>
-          </p:cNvSpPr>
-          <p:nvPr>
-            <p:ph type="sldNum" sz="quarter" idx="12"/>
-          </p:nvPr>
-        </p:nvSpPr>
-        <p:spPr/>
-        <p:txBody>
-          <a:bodyPr/>
-          <a:lstStyle/>
-          <a:p>
-            <a:pPr>
-              <a:defRPr/>
-            </a:pPr>
-            <a:endParaRPr lang="en-US" smtClean="0"/>
-          </a:p>
           <a:p>
             <a:pPr algn="r">
               <a:defRPr/>
             </a:pPr>
             <a:r>
-              <a:rPr lang="en-US" sz="900" smtClean="0">
+              <a:rPr lang="en-US" sz="900">
                 <a:solidFill>
                   <a:schemeClr val="bg1"/>
                 </a:solidFill>
@@ -13285,13 +12895,6 @@
   <p:clrMapOvr>
     <a:masterClrMapping/>
   </p:clrMapOvr>
-  <p:timing>
-    <p:tnLst>
-      <p:par>
-        <p:cTn id="1" dur="indefinite" restart="never" nodeType="tmRoot"/>
-      </p:par>
-    </p:tnLst>
-  </p:timing>
 </p:sld>
 </file>
 
